--- a/slide/DistributedComputation.pptx
+++ b/slide/DistributedComputation.pptx
@@ -118,7 +118,7 @@
   </p:defaultTextStyle>
   <p:extLst>
     <p:ext uri="{EFAFB233-063F-42B5-8137-9DF3F51BA10A}">
-      <p15:sldGuideLst xmlns="" xmlns:p15="http://schemas.microsoft.com/office/powerpoint/2012/main"/>
+      <p15:sldGuideLst xmlns:p15="http://schemas.microsoft.com/office/powerpoint/2012/main" xmlns=""/>
     </p:ext>
   </p:extLst>
 </p:presentation>
@@ -4885,7 +4885,17 @@
                 <a:latin typeface="Helvetica" panose="020B0604020202020204" pitchFamily="34" charset="0"/>
                 <a:cs typeface="Helvetica" panose="020B0604020202020204" pitchFamily="34" charset="0"/>
               </a:rPr>
-              <a:t>2 Mentor: </a:t>
+              <a:t>2 - Mentor</a:t>
+            </a:r>
+            <a:r>
+              <a:rPr lang="en-US" sz="2400" i="1" dirty="0" smtClean="0">
+                <a:solidFill>
+                  <a:srgbClr val="00B0F0"/>
+                </a:solidFill>
+                <a:latin typeface="Helvetica" panose="020B0604020202020204" pitchFamily="34" charset="0"/>
+                <a:cs typeface="Helvetica" panose="020B0604020202020204" pitchFamily="34" charset="0"/>
+              </a:rPr>
+              <a:t>: </a:t>
             </a:r>
             <a:r>
               <a:rPr lang="en-US" sz="2400" i="1" dirty="0" err="1" smtClean="0">
@@ -5184,108 +5194,6 @@
           </a:extLst>
         </p:spPr>
       </p:pic>
-      <p:sp>
-        <p:nvSpPr>
-          <p:cNvPr id="12" name="TextBox 11"/>
-          <p:cNvSpPr txBox="1"/>
-          <p:nvPr/>
-        </p:nvSpPr>
-        <p:spPr>
-          <a:xfrm>
-            <a:off x="6923054" y="1146307"/>
-            <a:ext cx="5315840" cy="461665"/>
-          </a:xfrm>
-          <a:prstGeom prst="rect">
-            <a:avLst/>
-          </a:prstGeom>
-          <a:noFill/>
-        </p:spPr>
-        <p:txBody>
-          <a:bodyPr wrap="square" rtlCol="0">
-            <a:spAutoFit/>
-          </a:bodyPr>
-          <a:lstStyle/>
-          <a:p>
-            <a:r>
-              <a:rPr lang="en-US" sz="2400" i="1" dirty="0" smtClean="0">
-                <a:solidFill>
-                  <a:srgbClr val="00B0F0"/>
-                </a:solidFill>
-                <a:latin typeface="Helvetica" panose="020B0604020202020204" pitchFamily="34" charset="0"/>
-                <a:cs typeface="Helvetica" panose="020B0604020202020204" pitchFamily="34" charset="0"/>
-              </a:rPr>
-              <a:t>Team: </a:t>
-            </a:r>
-            <a:r>
-              <a:rPr lang="en-US" sz="2400" i="1" dirty="0" smtClean="0">
-                <a:solidFill>
-                  <a:srgbClr val="00B0F0"/>
-                </a:solidFill>
-                <a:latin typeface="Helvetica" panose="020B0604020202020204" pitchFamily="34" charset="0"/>
-                <a:cs typeface="Helvetica" panose="020B0604020202020204" pitchFamily="34" charset="0"/>
-              </a:rPr>
-              <a:t>2 Mentor: </a:t>
-            </a:r>
-            <a:r>
-              <a:rPr lang="en-US" sz="2400" i="1" dirty="0" err="1" smtClean="0">
-                <a:solidFill>
-                  <a:srgbClr val="00B0F0"/>
-                </a:solidFill>
-                <a:latin typeface="Helvetica" panose="020B0604020202020204" pitchFamily="34" charset="0"/>
-                <a:cs typeface="Helvetica" panose="020B0604020202020204" pitchFamily="34" charset="0"/>
-              </a:rPr>
-              <a:t>Châu</a:t>
-            </a:r>
-            <a:r>
-              <a:rPr lang="en-US" sz="2400" i="1" dirty="0" smtClean="0">
-                <a:solidFill>
-                  <a:srgbClr val="00B0F0"/>
-                </a:solidFill>
-                <a:latin typeface="Helvetica" panose="020B0604020202020204" pitchFamily="34" charset="0"/>
-                <a:cs typeface="Helvetica" panose="020B0604020202020204" pitchFamily="34" charset="0"/>
-              </a:rPr>
-              <a:t> </a:t>
-            </a:r>
-            <a:r>
-              <a:rPr lang="en-US" sz="2400" i="1" dirty="0" err="1" smtClean="0">
-                <a:solidFill>
-                  <a:srgbClr val="00B0F0"/>
-                </a:solidFill>
-                <a:latin typeface="Helvetica" panose="020B0604020202020204" pitchFamily="34" charset="0"/>
-                <a:cs typeface="Helvetica" panose="020B0604020202020204" pitchFamily="34" charset="0"/>
-              </a:rPr>
-              <a:t>Hớn</a:t>
-            </a:r>
-            <a:r>
-              <a:rPr lang="en-US" sz="2400" i="1" dirty="0" smtClean="0">
-                <a:solidFill>
-                  <a:srgbClr val="00B0F0"/>
-                </a:solidFill>
-                <a:latin typeface="Helvetica" panose="020B0604020202020204" pitchFamily="34" charset="0"/>
-                <a:cs typeface="Helvetica" panose="020B0604020202020204" pitchFamily="34" charset="0"/>
-              </a:rPr>
-              <a:t> </a:t>
-            </a:r>
-            <a:r>
-              <a:rPr lang="en-US" sz="2400" i="1" dirty="0" err="1" smtClean="0">
-                <a:solidFill>
-                  <a:srgbClr val="00B0F0"/>
-                </a:solidFill>
-                <a:latin typeface="Helvetica" panose="020B0604020202020204" pitchFamily="34" charset="0"/>
-                <a:cs typeface="Helvetica" panose="020B0604020202020204" pitchFamily="34" charset="0"/>
-              </a:rPr>
-              <a:t>Cường</a:t>
-            </a:r>
-            <a:endParaRPr lang="en-US" sz="2400" i="1" dirty="0">
-              <a:solidFill>
-                <a:srgbClr val="00B0F0"/>
-              </a:solidFill>
-              <a:latin typeface="Helvetica" panose="020B0604020202020204" pitchFamily="34" charset="0"/>
-              <a:cs typeface="Helvetica" panose="020B0604020202020204" pitchFamily="34" charset="0"/>
-            </a:endParaRPr>
-          </a:p>
-        </p:txBody>
-      </p:sp>
       <p:pic>
         <p:nvPicPr>
           <p:cNvPr id="9" name="Picture 8"/>
@@ -5316,6 +5224,118 @@
           </a:prstGeom>
         </p:spPr>
       </p:pic>
+      <p:sp>
+        <p:nvSpPr>
+          <p:cNvPr id="11" name="TextBox 10"/>
+          <p:cNvSpPr txBox="1"/>
+          <p:nvPr/>
+        </p:nvSpPr>
+        <p:spPr>
+          <a:xfrm>
+            <a:off x="6923054" y="1146307"/>
+            <a:ext cx="5315840" cy="461665"/>
+          </a:xfrm>
+          <a:prstGeom prst="rect">
+            <a:avLst/>
+          </a:prstGeom>
+          <a:noFill/>
+        </p:spPr>
+        <p:txBody>
+          <a:bodyPr wrap="square" rtlCol="0">
+            <a:spAutoFit/>
+          </a:bodyPr>
+          <a:lstStyle/>
+          <a:p>
+            <a:r>
+              <a:rPr lang="en-US" sz="2400" i="1" dirty="0" smtClean="0">
+                <a:solidFill>
+                  <a:srgbClr val="00B0F0"/>
+                </a:solidFill>
+                <a:latin typeface="Helvetica" panose="020B0604020202020204" pitchFamily="34" charset="0"/>
+                <a:cs typeface="Helvetica" panose="020B0604020202020204" pitchFamily="34" charset="0"/>
+              </a:rPr>
+              <a:t>Team: 2 </a:t>
+            </a:r>
+            <a:r>
+              <a:rPr lang="en-US" sz="2400" i="1" dirty="0" smtClean="0">
+                <a:solidFill>
+                  <a:srgbClr val="00B0F0"/>
+                </a:solidFill>
+                <a:latin typeface="Helvetica" panose="020B0604020202020204" pitchFamily="34" charset="0"/>
+                <a:cs typeface="Helvetica" panose="020B0604020202020204" pitchFamily="34" charset="0"/>
+              </a:rPr>
+              <a:t>- Mentor</a:t>
+            </a:r>
+            <a:r>
+              <a:rPr lang="en-US" sz="2400" i="1" dirty="0" smtClean="0">
+                <a:solidFill>
+                  <a:srgbClr val="00B0F0"/>
+                </a:solidFill>
+                <a:latin typeface="Helvetica" panose="020B0604020202020204" pitchFamily="34" charset="0"/>
+                <a:cs typeface="Helvetica" panose="020B0604020202020204" pitchFamily="34" charset="0"/>
+              </a:rPr>
+              <a:t>: </a:t>
+            </a:r>
+            <a:r>
+              <a:rPr lang="en-US" sz="2400" i="1" dirty="0" err="1" smtClean="0">
+                <a:solidFill>
+                  <a:srgbClr val="00B0F0"/>
+                </a:solidFill>
+                <a:latin typeface="Helvetica" panose="020B0604020202020204" pitchFamily="34" charset="0"/>
+                <a:cs typeface="Helvetica" panose="020B0604020202020204" pitchFamily="34" charset="0"/>
+              </a:rPr>
+              <a:t>Châu</a:t>
+            </a:r>
+            <a:r>
+              <a:rPr lang="en-US" sz="2400" i="1" dirty="0" smtClean="0">
+                <a:solidFill>
+                  <a:srgbClr val="00B0F0"/>
+                </a:solidFill>
+                <a:latin typeface="Helvetica" panose="020B0604020202020204" pitchFamily="34" charset="0"/>
+                <a:cs typeface="Helvetica" panose="020B0604020202020204" pitchFamily="34" charset="0"/>
+              </a:rPr>
+              <a:t> </a:t>
+            </a:r>
+            <a:r>
+              <a:rPr lang="en-US" sz="2400" i="1" dirty="0" err="1" smtClean="0">
+                <a:solidFill>
+                  <a:srgbClr val="00B0F0"/>
+                </a:solidFill>
+                <a:latin typeface="Helvetica" panose="020B0604020202020204" pitchFamily="34" charset="0"/>
+                <a:cs typeface="Helvetica" panose="020B0604020202020204" pitchFamily="34" charset="0"/>
+              </a:rPr>
+              <a:t>Hớn</a:t>
+            </a:r>
+            <a:r>
+              <a:rPr lang="en-US" sz="2400" i="1" dirty="0" smtClean="0">
+                <a:solidFill>
+                  <a:srgbClr val="00B0F0"/>
+                </a:solidFill>
+                <a:latin typeface="Helvetica" panose="020B0604020202020204" pitchFamily="34" charset="0"/>
+                <a:cs typeface="Helvetica" panose="020B0604020202020204" pitchFamily="34" charset="0"/>
+              </a:rPr>
+              <a:t> </a:t>
+            </a:r>
+            <a:r>
+              <a:rPr lang="en-US" sz="2400" i="1" dirty="0" err="1" smtClean="0">
+                <a:solidFill>
+                  <a:srgbClr val="00B0F0"/>
+                </a:solidFill>
+                <a:latin typeface="Helvetica" panose="020B0604020202020204" pitchFamily="34" charset="0"/>
+                <a:cs typeface="Helvetica" panose="020B0604020202020204" pitchFamily="34" charset="0"/>
+              </a:rPr>
+              <a:t>Cường</a:t>
+            </a:r>
+            <a:endParaRPr lang="en-US" sz="2400" i="1" dirty="0">
+              <a:solidFill>
+                <a:srgbClr val="00B0F0"/>
+              </a:solidFill>
+              <a:latin typeface="Helvetica" panose="020B0604020202020204" pitchFamily="34" charset="0"/>
+              <a:cs typeface="Helvetica" panose="020B0604020202020204" pitchFamily="34" charset="0"/>
+            </a:endParaRPr>
+          </a:p>
+        </p:txBody>
+      </p:sp>
     </p:spTree>
     <p:extLst>
       <p:ext uri="{BB962C8B-B14F-4D97-AF65-F5344CB8AC3E}">
@@ -5504,7 +5524,21 @@
                 <a:latin typeface="Helvetica" panose="020B0604020202020204" pitchFamily="34" charset="0"/>
                 <a:cs typeface="Helvetica" panose="020B0604020202020204" pitchFamily="34" charset="0"/>
               </a:rPr>
-              <a:t>We will propose a web-based system to help a library in their management operations. In general, each book borrower will have to register his/her account in order to borrow book from the system. LMS will manage all books through their ISBN. There’s a limitation number of books which are allowed a user to borrow at the same time, this number could be changed by admin.</a:t>
+              <a:t>We </a:t>
+            </a:r>
+            <a:r>
+              <a:rPr lang="en-US" sz="3200" dirty="0" smtClean="0">
+                <a:latin typeface="Helvetica" panose="020B0604020202020204" pitchFamily="34" charset="0"/>
+                <a:cs typeface="Helvetica" panose="020B0604020202020204" pitchFamily="34" charset="0"/>
+              </a:rPr>
+              <a:t>will propose </a:t>
+            </a:r>
+            <a:r>
+              <a:rPr lang="en-US" sz="3200" dirty="0">
+                <a:latin typeface="Helvetica" panose="020B0604020202020204" pitchFamily="34" charset="0"/>
+                <a:cs typeface="Helvetica" panose="020B0604020202020204" pitchFamily="34" charset="0"/>
+              </a:rPr>
+              <a:t>a web-based system to help a library in their management operations. In general, each book borrower will have to register his/her account in order to borrow book from the system. LMS will manage all books through their ISBN. There’s a limitation number of books which are allowed a user to borrow at the same time, this number could be changed by admin.</a:t>
             </a:r>
           </a:p>
         </p:txBody>
@@ -5608,7 +5642,7 @@
                 <a:latin typeface="Helvetica" panose="020B0604020202020204" pitchFamily="34" charset="0"/>
                 <a:cs typeface="Helvetica" panose="020B0604020202020204" pitchFamily="34" charset="0"/>
               </a:rPr>
-              <a:t>Team: </a:t>
+              <a:t>Team: 2 </a:t>
             </a:r>
             <a:r>
               <a:rPr lang="en-US" sz="2400" i="1" dirty="0" smtClean="0">
@@ -5618,7 +5652,17 @@
                 <a:latin typeface="Helvetica" panose="020B0604020202020204" pitchFamily="34" charset="0"/>
                 <a:cs typeface="Helvetica" panose="020B0604020202020204" pitchFamily="34" charset="0"/>
               </a:rPr>
-              <a:t>2 Mentor: </a:t>
+              <a:t>- Mentor</a:t>
+            </a:r>
+            <a:r>
+              <a:rPr lang="en-US" sz="2400" i="1" dirty="0" smtClean="0">
+                <a:solidFill>
+                  <a:srgbClr val="00B0F0"/>
+                </a:solidFill>
+                <a:latin typeface="Helvetica" panose="020B0604020202020204" pitchFamily="34" charset="0"/>
+                <a:cs typeface="Helvetica" panose="020B0604020202020204" pitchFamily="34" charset="0"/>
+              </a:rPr>
+              <a:t>: </a:t>
             </a:r>
             <a:r>
               <a:rPr lang="en-US" sz="2400" i="1" dirty="0" err="1" smtClean="0">
@@ -6044,7 +6088,7 @@
       </p:pic>
       <p:sp>
         <p:nvSpPr>
-          <p:cNvPr id="12" name="TextBox 11"/>
+          <p:cNvPr id="9" name="TextBox 8"/>
           <p:cNvSpPr txBox="1"/>
           <p:nvPr/>
         </p:nvSpPr>
@@ -6072,7 +6116,7 @@
                 <a:latin typeface="Helvetica" panose="020B0604020202020204" pitchFamily="34" charset="0"/>
                 <a:cs typeface="Helvetica" panose="020B0604020202020204" pitchFamily="34" charset="0"/>
               </a:rPr>
-              <a:t>Team: </a:t>
+              <a:t>Team: 2 </a:t>
             </a:r>
             <a:r>
               <a:rPr lang="en-US" sz="2400" i="1" dirty="0" smtClean="0">
@@ -6082,7 +6126,17 @@
                 <a:latin typeface="Helvetica" panose="020B0604020202020204" pitchFamily="34" charset="0"/>
                 <a:cs typeface="Helvetica" panose="020B0604020202020204" pitchFamily="34" charset="0"/>
               </a:rPr>
-              <a:t>2 Mentor: </a:t>
+              <a:t>- Mentor</a:t>
+            </a:r>
+            <a:r>
+              <a:rPr lang="en-US" sz="2400" i="1" dirty="0" smtClean="0">
+                <a:solidFill>
+                  <a:srgbClr val="00B0F0"/>
+                </a:solidFill>
+                <a:latin typeface="Helvetica" panose="020B0604020202020204" pitchFamily="34" charset="0"/>
+                <a:cs typeface="Helvetica" panose="020B0604020202020204" pitchFamily="34" charset="0"/>
+              </a:rPr>
+              <a:t>: </a:t>
             </a:r>
             <a:r>
               <a:rPr lang="en-US" sz="2400" i="1" dirty="0" err="1" smtClean="0">
@@ -6381,108 +6435,6 @@
           </a:extLst>
         </p:spPr>
       </p:pic>
-      <p:sp>
-        <p:nvSpPr>
-          <p:cNvPr id="12" name="TextBox 11"/>
-          <p:cNvSpPr txBox="1"/>
-          <p:nvPr/>
-        </p:nvSpPr>
-        <p:spPr>
-          <a:xfrm>
-            <a:off x="6923054" y="1146307"/>
-            <a:ext cx="5315840" cy="461665"/>
-          </a:xfrm>
-          <a:prstGeom prst="rect">
-            <a:avLst/>
-          </a:prstGeom>
-          <a:noFill/>
-        </p:spPr>
-        <p:txBody>
-          <a:bodyPr wrap="square" rtlCol="0">
-            <a:spAutoFit/>
-          </a:bodyPr>
-          <a:lstStyle/>
-          <a:p>
-            <a:r>
-              <a:rPr lang="en-US" sz="2400" i="1" dirty="0" smtClean="0">
-                <a:solidFill>
-                  <a:srgbClr val="00B0F0"/>
-                </a:solidFill>
-                <a:latin typeface="Helvetica" panose="020B0604020202020204" pitchFamily="34" charset="0"/>
-                <a:cs typeface="Helvetica" panose="020B0604020202020204" pitchFamily="34" charset="0"/>
-              </a:rPr>
-              <a:t>Team: </a:t>
-            </a:r>
-            <a:r>
-              <a:rPr lang="en-US" sz="2400" i="1" dirty="0" smtClean="0">
-                <a:solidFill>
-                  <a:srgbClr val="00B0F0"/>
-                </a:solidFill>
-                <a:latin typeface="Helvetica" panose="020B0604020202020204" pitchFamily="34" charset="0"/>
-                <a:cs typeface="Helvetica" panose="020B0604020202020204" pitchFamily="34" charset="0"/>
-              </a:rPr>
-              <a:t>2 Mentor: </a:t>
-            </a:r>
-            <a:r>
-              <a:rPr lang="en-US" sz="2400" i="1" dirty="0" err="1" smtClean="0">
-                <a:solidFill>
-                  <a:srgbClr val="00B0F0"/>
-                </a:solidFill>
-                <a:latin typeface="Helvetica" panose="020B0604020202020204" pitchFamily="34" charset="0"/>
-                <a:cs typeface="Helvetica" panose="020B0604020202020204" pitchFamily="34" charset="0"/>
-              </a:rPr>
-              <a:t>Châu</a:t>
-            </a:r>
-            <a:r>
-              <a:rPr lang="en-US" sz="2400" i="1" dirty="0" smtClean="0">
-                <a:solidFill>
-                  <a:srgbClr val="00B0F0"/>
-                </a:solidFill>
-                <a:latin typeface="Helvetica" panose="020B0604020202020204" pitchFamily="34" charset="0"/>
-                <a:cs typeface="Helvetica" panose="020B0604020202020204" pitchFamily="34" charset="0"/>
-              </a:rPr>
-              <a:t> </a:t>
-            </a:r>
-            <a:r>
-              <a:rPr lang="en-US" sz="2400" i="1" dirty="0" err="1" smtClean="0">
-                <a:solidFill>
-                  <a:srgbClr val="00B0F0"/>
-                </a:solidFill>
-                <a:latin typeface="Helvetica" panose="020B0604020202020204" pitchFamily="34" charset="0"/>
-                <a:cs typeface="Helvetica" panose="020B0604020202020204" pitchFamily="34" charset="0"/>
-              </a:rPr>
-              <a:t>Hớn</a:t>
-            </a:r>
-            <a:r>
-              <a:rPr lang="en-US" sz="2400" i="1" dirty="0" smtClean="0">
-                <a:solidFill>
-                  <a:srgbClr val="00B0F0"/>
-                </a:solidFill>
-                <a:latin typeface="Helvetica" panose="020B0604020202020204" pitchFamily="34" charset="0"/>
-                <a:cs typeface="Helvetica" panose="020B0604020202020204" pitchFamily="34" charset="0"/>
-              </a:rPr>
-              <a:t> </a:t>
-            </a:r>
-            <a:r>
-              <a:rPr lang="en-US" sz="2400" i="1" dirty="0" err="1" smtClean="0">
-                <a:solidFill>
-                  <a:srgbClr val="00B0F0"/>
-                </a:solidFill>
-                <a:latin typeface="Helvetica" panose="020B0604020202020204" pitchFamily="34" charset="0"/>
-                <a:cs typeface="Helvetica" panose="020B0604020202020204" pitchFamily="34" charset="0"/>
-              </a:rPr>
-              <a:t>Cường</a:t>
-            </a:r>
-            <a:endParaRPr lang="en-US" sz="2400" i="1" dirty="0">
-              <a:solidFill>
-                <a:srgbClr val="00B0F0"/>
-              </a:solidFill>
-              <a:latin typeface="Helvetica" panose="020B0604020202020204" pitchFamily="34" charset="0"/>
-              <a:cs typeface="Helvetica" panose="020B0604020202020204" pitchFamily="34" charset="0"/>
-            </a:endParaRPr>
-          </a:p>
-        </p:txBody>
-      </p:sp>
       <p:pic>
         <p:nvPicPr>
           <p:cNvPr id="3074" name="Picture 2" descr="D:\slide\5293864.png"/>
@@ -6524,6 +6476,118 @@
           </a:extLst>
         </p:spPr>
       </p:pic>
+      <p:sp>
+        <p:nvSpPr>
+          <p:cNvPr id="11" name="TextBox 10"/>
+          <p:cNvSpPr txBox="1"/>
+          <p:nvPr/>
+        </p:nvSpPr>
+        <p:spPr>
+          <a:xfrm>
+            <a:off x="6923054" y="1146307"/>
+            <a:ext cx="5315840" cy="461665"/>
+          </a:xfrm>
+          <a:prstGeom prst="rect">
+            <a:avLst/>
+          </a:prstGeom>
+          <a:noFill/>
+        </p:spPr>
+        <p:txBody>
+          <a:bodyPr wrap="square" rtlCol="0">
+            <a:spAutoFit/>
+          </a:bodyPr>
+          <a:lstStyle/>
+          <a:p>
+            <a:r>
+              <a:rPr lang="en-US" sz="2400" i="1" dirty="0" smtClean="0">
+                <a:solidFill>
+                  <a:srgbClr val="00B0F0"/>
+                </a:solidFill>
+                <a:latin typeface="Helvetica" panose="020B0604020202020204" pitchFamily="34" charset="0"/>
+                <a:cs typeface="Helvetica" panose="020B0604020202020204" pitchFamily="34" charset="0"/>
+              </a:rPr>
+              <a:t>Team: 2 </a:t>
+            </a:r>
+            <a:r>
+              <a:rPr lang="en-US" sz="2400" i="1" dirty="0" smtClean="0">
+                <a:solidFill>
+                  <a:srgbClr val="00B0F0"/>
+                </a:solidFill>
+                <a:latin typeface="Helvetica" panose="020B0604020202020204" pitchFamily="34" charset="0"/>
+                <a:cs typeface="Helvetica" panose="020B0604020202020204" pitchFamily="34" charset="0"/>
+              </a:rPr>
+              <a:t>- Mentor</a:t>
+            </a:r>
+            <a:r>
+              <a:rPr lang="en-US" sz="2400" i="1" dirty="0" smtClean="0">
+                <a:solidFill>
+                  <a:srgbClr val="00B0F0"/>
+                </a:solidFill>
+                <a:latin typeface="Helvetica" panose="020B0604020202020204" pitchFamily="34" charset="0"/>
+                <a:cs typeface="Helvetica" panose="020B0604020202020204" pitchFamily="34" charset="0"/>
+              </a:rPr>
+              <a:t>: </a:t>
+            </a:r>
+            <a:r>
+              <a:rPr lang="en-US" sz="2400" i="1" dirty="0" err="1" smtClean="0">
+                <a:solidFill>
+                  <a:srgbClr val="00B0F0"/>
+                </a:solidFill>
+                <a:latin typeface="Helvetica" panose="020B0604020202020204" pitchFamily="34" charset="0"/>
+                <a:cs typeface="Helvetica" panose="020B0604020202020204" pitchFamily="34" charset="0"/>
+              </a:rPr>
+              <a:t>Châu</a:t>
+            </a:r>
+            <a:r>
+              <a:rPr lang="en-US" sz="2400" i="1" dirty="0" smtClean="0">
+                <a:solidFill>
+                  <a:srgbClr val="00B0F0"/>
+                </a:solidFill>
+                <a:latin typeface="Helvetica" panose="020B0604020202020204" pitchFamily="34" charset="0"/>
+                <a:cs typeface="Helvetica" panose="020B0604020202020204" pitchFamily="34" charset="0"/>
+              </a:rPr>
+              <a:t> </a:t>
+            </a:r>
+            <a:r>
+              <a:rPr lang="en-US" sz="2400" i="1" dirty="0" err="1" smtClean="0">
+                <a:solidFill>
+                  <a:srgbClr val="00B0F0"/>
+                </a:solidFill>
+                <a:latin typeface="Helvetica" panose="020B0604020202020204" pitchFamily="34" charset="0"/>
+                <a:cs typeface="Helvetica" panose="020B0604020202020204" pitchFamily="34" charset="0"/>
+              </a:rPr>
+              <a:t>Hớn</a:t>
+            </a:r>
+            <a:r>
+              <a:rPr lang="en-US" sz="2400" i="1" dirty="0" smtClean="0">
+                <a:solidFill>
+                  <a:srgbClr val="00B0F0"/>
+                </a:solidFill>
+                <a:latin typeface="Helvetica" panose="020B0604020202020204" pitchFamily="34" charset="0"/>
+                <a:cs typeface="Helvetica" panose="020B0604020202020204" pitchFamily="34" charset="0"/>
+              </a:rPr>
+              <a:t> </a:t>
+            </a:r>
+            <a:r>
+              <a:rPr lang="en-US" sz="2400" i="1" dirty="0" err="1" smtClean="0">
+                <a:solidFill>
+                  <a:srgbClr val="00B0F0"/>
+                </a:solidFill>
+                <a:latin typeface="Helvetica" panose="020B0604020202020204" pitchFamily="34" charset="0"/>
+                <a:cs typeface="Helvetica" panose="020B0604020202020204" pitchFamily="34" charset="0"/>
+              </a:rPr>
+              <a:t>Cường</a:t>
+            </a:r>
+            <a:endParaRPr lang="en-US" sz="2400" i="1" dirty="0">
+              <a:solidFill>
+                <a:srgbClr val="00B0F0"/>
+              </a:solidFill>
+              <a:latin typeface="Helvetica" panose="020B0604020202020204" pitchFamily="34" charset="0"/>
+              <a:cs typeface="Helvetica" panose="020B0604020202020204" pitchFamily="34" charset="0"/>
+            </a:endParaRPr>
+          </a:p>
+        </p:txBody>
+      </p:sp>
     </p:spTree>
     <p:extLst>
       <p:ext uri="{BB962C8B-B14F-4D97-AF65-F5344CB8AC3E}">
@@ -6761,108 +6825,6 @@
           </a:extLst>
         </p:spPr>
       </p:pic>
-      <p:sp>
-        <p:nvSpPr>
-          <p:cNvPr id="12" name="TextBox 11"/>
-          <p:cNvSpPr txBox="1"/>
-          <p:nvPr/>
-        </p:nvSpPr>
-        <p:spPr>
-          <a:xfrm>
-            <a:off x="6923054" y="1146307"/>
-            <a:ext cx="5315840" cy="461665"/>
-          </a:xfrm>
-          <a:prstGeom prst="rect">
-            <a:avLst/>
-          </a:prstGeom>
-          <a:noFill/>
-        </p:spPr>
-        <p:txBody>
-          <a:bodyPr wrap="square" rtlCol="0">
-            <a:spAutoFit/>
-          </a:bodyPr>
-          <a:lstStyle/>
-          <a:p>
-            <a:r>
-              <a:rPr lang="en-US" sz="2400" i="1" dirty="0" smtClean="0">
-                <a:solidFill>
-                  <a:srgbClr val="00B0F0"/>
-                </a:solidFill>
-                <a:latin typeface="Helvetica" panose="020B0604020202020204" pitchFamily="34" charset="0"/>
-                <a:cs typeface="Helvetica" panose="020B0604020202020204" pitchFamily="34" charset="0"/>
-              </a:rPr>
-              <a:t>Team: </a:t>
-            </a:r>
-            <a:r>
-              <a:rPr lang="en-US" sz="2400" i="1" dirty="0" smtClean="0">
-                <a:solidFill>
-                  <a:srgbClr val="00B0F0"/>
-                </a:solidFill>
-                <a:latin typeface="Helvetica" panose="020B0604020202020204" pitchFamily="34" charset="0"/>
-                <a:cs typeface="Helvetica" panose="020B0604020202020204" pitchFamily="34" charset="0"/>
-              </a:rPr>
-              <a:t>2 Mentor: </a:t>
-            </a:r>
-            <a:r>
-              <a:rPr lang="en-US" sz="2400" i="1" dirty="0" err="1" smtClean="0">
-                <a:solidFill>
-                  <a:srgbClr val="00B0F0"/>
-                </a:solidFill>
-                <a:latin typeface="Helvetica" panose="020B0604020202020204" pitchFamily="34" charset="0"/>
-                <a:cs typeface="Helvetica" panose="020B0604020202020204" pitchFamily="34" charset="0"/>
-              </a:rPr>
-              <a:t>Châu</a:t>
-            </a:r>
-            <a:r>
-              <a:rPr lang="en-US" sz="2400" i="1" dirty="0" smtClean="0">
-                <a:solidFill>
-                  <a:srgbClr val="00B0F0"/>
-                </a:solidFill>
-                <a:latin typeface="Helvetica" panose="020B0604020202020204" pitchFamily="34" charset="0"/>
-                <a:cs typeface="Helvetica" panose="020B0604020202020204" pitchFamily="34" charset="0"/>
-              </a:rPr>
-              <a:t> </a:t>
-            </a:r>
-            <a:r>
-              <a:rPr lang="en-US" sz="2400" i="1" dirty="0" err="1" smtClean="0">
-                <a:solidFill>
-                  <a:srgbClr val="00B0F0"/>
-                </a:solidFill>
-                <a:latin typeface="Helvetica" panose="020B0604020202020204" pitchFamily="34" charset="0"/>
-                <a:cs typeface="Helvetica" panose="020B0604020202020204" pitchFamily="34" charset="0"/>
-              </a:rPr>
-              <a:t>Hớn</a:t>
-            </a:r>
-            <a:r>
-              <a:rPr lang="en-US" sz="2400" i="1" dirty="0" smtClean="0">
-                <a:solidFill>
-                  <a:srgbClr val="00B0F0"/>
-                </a:solidFill>
-                <a:latin typeface="Helvetica" panose="020B0604020202020204" pitchFamily="34" charset="0"/>
-                <a:cs typeface="Helvetica" panose="020B0604020202020204" pitchFamily="34" charset="0"/>
-              </a:rPr>
-              <a:t> </a:t>
-            </a:r>
-            <a:r>
-              <a:rPr lang="en-US" sz="2400" i="1" dirty="0" err="1" smtClean="0">
-                <a:solidFill>
-                  <a:srgbClr val="00B0F0"/>
-                </a:solidFill>
-                <a:latin typeface="Helvetica" panose="020B0604020202020204" pitchFamily="34" charset="0"/>
-                <a:cs typeface="Helvetica" panose="020B0604020202020204" pitchFamily="34" charset="0"/>
-              </a:rPr>
-              <a:t>Cường</a:t>
-            </a:r>
-            <a:endParaRPr lang="en-US" sz="2400" i="1" dirty="0">
-              <a:solidFill>
-                <a:srgbClr val="00B0F0"/>
-              </a:solidFill>
-              <a:latin typeface="Helvetica" panose="020B0604020202020204" pitchFamily="34" charset="0"/>
-              <a:cs typeface="Helvetica" panose="020B0604020202020204" pitchFamily="34" charset="0"/>
-            </a:endParaRPr>
-          </a:p>
-        </p:txBody>
-      </p:sp>
       <p:pic>
         <p:nvPicPr>
           <p:cNvPr id="2050" name="Picture 2"/>
@@ -7025,6 +6987,118 @@
           </a:extLst>
         </p:spPr>
       </p:pic>
+      <p:sp>
+        <p:nvSpPr>
+          <p:cNvPr id="11" name="TextBox 10"/>
+          <p:cNvSpPr txBox="1"/>
+          <p:nvPr/>
+        </p:nvSpPr>
+        <p:spPr>
+          <a:xfrm>
+            <a:off x="6923054" y="1146307"/>
+            <a:ext cx="5315840" cy="461665"/>
+          </a:xfrm>
+          <a:prstGeom prst="rect">
+            <a:avLst/>
+          </a:prstGeom>
+          <a:noFill/>
+        </p:spPr>
+        <p:txBody>
+          <a:bodyPr wrap="square" rtlCol="0">
+            <a:spAutoFit/>
+          </a:bodyPr>
+          <a:lstStyle/>
+          <a:p>
+            <a:r>
+              <a:rPr lang="en-US" sz="2400" i="1" dirty="0" smtClean="0">
+                <a:solidFill>
+                  <a:srgbClr val="00B0F0"/>
+                </a:solidFill>
+                <a:latin typeface="Helvetica" panose="020B0604020202020204" pitchFamily="34" charset="0"/>
+                <a:cs typeface="Helvetica" panose="020B0604020202020204" pitchFamily="34" charset="0"/>
+              </a:rPr>
+              <a:t>Team: 2 </a:t>
+            </a:r>
+            <a:r>
+              <a:rPr lang="en-US" sz="2400" i="1" dirty="0" smtClean="0">
+                <a:solidFill>
+                  <a:srgbClr val="00B0F0"/>
+                </a:solidFill>
+                <a:latin typeface="Helvetica" panose="020B0604020202020204" pitchFamily="34" charset="0"/>
+                <a:cs typeface="Helvetica" panose="020B0604020202020204" pitchFamily="34" charset="0"/>
+              </a:rPr>
+              <a:t>- Mentor</a:t>
+            </a:r>
+            <a:r>
+              <a:rPr lang="en-US" sz="2400" i="1" dirty="0" smtClean="0">
+                <a:solidFill>
+                  <a:srgbClr val="00B0F0"/>
+                </a:solidFill>
+                <a:latin typeface="Helvetica" panose="020B0604020202020204" pitchFamily="34" charset="0"/>
+                <a:cs typeface="Helvetica" panose="020B0604020202020204" pitchFamily="34" charset="0"/>
+              </a:rPr>
+              <a:t>: </a:t>
+            </a:r>
+            <a:r>
+              <a:rPr lang="en-US" sz="2400" i="1" dirty="0" err="1" smtClean="0">
+                <a:solidFill>
+                  <a:srgbClr val="00B0F0"/>
+                </a:solidFill>
+                <a:latin typeface="Helvetica" panose="020B0604020202020204" pitchFamily="34" charset="0"/>
+                <a:cs typeface="Helvetica" panose="020B0604020202020204" pitchFamily="34" charset="0"/>
+              </a:rPr>
+              <a:t>Châu</a:t>
+            </a:r>
+            <a:r>
+              <a:rPr lang="en-US" sz="2400" i="1" dirty="0" smtClean="0">
+                <a:solidFill>
+                  <a:srgbClr val="00B0F0"/>
+                </a:solidFill>
+                <a:latin typeface="Helvetica" panose="020B0604020202020204" pitchFamily="34" charset="0"/>
+                <a:cs typeface="Helvetica" panose="020B0604020202020204" pitchFamily="34" charset="0"/>
+              </a:rPr>
+              <a:t> </a:t>
+            </a:r>
+            <a:r>
+              <a:rPr lang="en-US" sz="2400" i="1" dirty="0" err="1" smtClean="0">
+                <a:solidFill>
+                  <a:srgbClr val="00B0F0"/>
+                </a:solidFill>
+                <a:latin typeface="Helvetica" panose="020B0604020202020204" pitchFamily="34" charset="0"/>
+                <a:cs typeface="Helvetica" panose="020B0604020202020204" pitchFamily="34" charset="0"/>
+              </a:rPr>
+              <a:t>Hớn</a:t>
+            </a:r>
+            <a:r>
+              <a:rPr lang="en-US" sz="2400" i="1" dirty="0" smtClean="0">
+                <a:solidFill>
+                  <a:srgbClr val="00B0F0"/>
+                </a:solidFill>
+                <a:latin typeface="Helvetica" panose="020B0604020202020204" pitchFamily="34" charset="0"/>
+                <a:cs typeface="Helvetica" panose="020B0604020202020204" pitchFamily="34" charset="0"/>
+              </a:rPr>
+              <a:t> </a:t>
+            </a:r>
+            <a:r>
+              <a:rPr lang="en-US" sz="2400" i="1" dirty="0" err="1" smtClean="0">
+                <a:solidFill>
+                  <a:srgbClr val="00B0F0"/>
+                </a:solidFill>
+                <a:latin typeface="Helvetica" panose="020B0604020202020204" pitchFamily="34" charset="0"/>
+                <a:cs typeface="Helvetica" panose="020B0604020202020204" pitchFamily="34" charset="0"/>
+              </a:rPr>
+              <a:t>Cường</a:t>
+            </a:r>
+            <a:endParaRPr lang="en-US" sz="2400" i="1" dirty="0">
+              <a:solidFill>
+                <a:srgbClr val="00B0F0"/>
+              </a:solidFill>
+              <a:latin typeface="Helvetica" panose="020B0604020202020204" pitchFamily="34" charset="0"/>
+              <a:cs typeface="Helvetica" panose="020B0604020202020204" pitchFamily="34" charset="0"/>
+            </a:endParaRPr>
+          </a:p>
+        </p:txBody>
+      </p:sp>
     </p:spTree>
     <p:extLst>
       <p:ext uri="{BB962C8B-B14F-4D97-AF65-F5344CB8AC3E}">
@@ -7205,108 +7279,6 @@
       </p:sp>
       <p:sp>
         <p:nvSpPr>
-          <p:cNvPr id="11" name="TextBox 10"/>
-          <p:cNvSpPr txBox="1"/>
-          <p:nvPr/>
-        </p:nvSpPr>
-        <p:spPr>
-          <a:xfrm>
-            <a:off x="6923054" y="1146307"/>
-            <a:ext cx="5315840" cy="461665"/>
-          </a:xfrm>
-          <a:prstGeom prst="rect">
-            <a:avLst/>
-          </a:prstGeom>
-          <a:noFill/>
-        </p:spPr>
-        <p:txBody>
-          <a:bodyPr wrap="square" rtlCol="0">
-            <a:spAutoFit/>
-          </a:bodyPr>
-          <a:lstStyle/>
-          <a:p>
-            <a:r>
-              <a:rPr lang="en-US" sz="2400" i="1" dirty="0" smtClean="0">
-                <a:solidFill>
-                  <a:srgbClr val="00B0F0"/>
-                </a:solidFill>
-                <a:latin typeface="Helvetica" panose="020B0604020202020204" pitchFamily="34" charset="0"/>
-                <a:cs typeface="Helvetica" panose="020B0604020202020204" pitchFamily="34" charset="0"/>
-              </a:rPr>
-              <a:t>Team: </a:t>
-            </a:r>
-            <a:r>
-              <a:rPr lang="en-US" sz="2400" i="1" dirty="0" smtClean="0">
-                <a:solidFill>
-                  <a:srgbClr val="00B0F0"/>
-                </a:solidFill>
-                <a:latin typeface="Helvetica" panose="020B0604020202020204" pitchFamily="34" charset="0"/>
-                <a:cs typeface="Helvetica" panose="020B0604020202020204" pitchFamily="34" charset="0"/>
-              </a:rPr>
-              <a:t>2 Mentor: </a:t>
-            </a:r>
-            <a:r>
-              <a:rPr lang="en-US" sz="2400" i="1" dirty="0" err="1" smtClean="0">
-                <a:solidFill>
-                  <a:srgbClr val="00B0F0"/>
-                </a:solidFill>
-                <a:latin typeface="Helvetica" panose="020B0604020202020204" pitchFamily="34" charset="0"/>
-                <a:cs typeface="Helvetica" panose="020B0604020202020204" pitchFamily="34" charset="0"/>
-              </a:rPr>
-              <a:t>Châu</a:t>
-            </a:r>
-            <a:r>
-              <a:rPr lang="en-US" sz="2400" i="1" dirty="0" smtClean="0">
-                <a:solidFill>
-                  <a:srgbClr val="00B0F0"/>
-                </a:solidFill>
-                <a:latin typeface="Helvetica" panose="020B0604020202020204" pitchFamily="34" charset="0"/>
-                <a:cs typeface="Helvetica" panose="020B0604020202020204" pitchFamily="34" charset="0"/>
-              </a:rPr>
-              <a:t> </a:t>
-            </a:r>
-            <a:r>
-              <a:rPr lang="en-US" sz="2400" i="1" dirty="0" err="1" smtClean="0">
-                <a:solidFill>
-                  <a:srgbClr val="00B0F0"/>
-                </a:solidFill>
-                <a:latin typeface="Helvetica" panose="020B0604020202020204" pitchFamily="34" charset="0"/>
-                <a:cs typeface="Helvetica" panose="020B0604020202020204" pitchFamily="34" charset="0"/>
-              </a:rPr>
-              <a:t>Hớn</a:t>
-            </a:r>
-            <a:r>
-              <a:rPr lang="en-US" sz="2400" i="1" dirty="0" smtClean="0">
-                <a:solidFill>
-                  <a:srgbClr val="00B0F0"/>
-                </a:solidFill>
-                <a:latin typeface="Helvetica" panose="020B0604020202020204" pitchFamily="34" charset="0"/>
-                <a:cs typeface="Helvetica" panose="020B0604020202020204" pitchFamily="34" charset="0"/>
-              </a:rPr>
-              <a:t> </a:t>
-            </a:r>
-            <a:r>
-              <a:rPr lang="en-US" sz="2400" i="1" dirty="0" err="1" smtClean="0">
-                <a:solidFill>
-                  <a:srgbClr val="00B0F0"/>
-                </a:solidFill>
-                <a:latin typeface="Helvetica" panose="020B0604020202020204" pitchFamily="34" charset="0"/>
-                <a:cs typeface="Helvetica" panose="020B0604020202020204" pitchFamily="34" charset="0"/>
-              </a:rPr>
-              <a:t>Cường</a:t>
-            </a:r>
-            <a:endParaRPr lang="en-US" sz="2400" i="1" dirty="0">
-              <a:solidFill>
-                <a:srgbClr val="00B0F0"/>
-              </a:solidFill>
-              <a:latin typeface="Helvetica" panose="020B0604020202020204" pitchFamily="34" charset="0"/>
-              <a:cs typeface="Helvetica" panose="020B0604020202020204" pitchFamily="34" charset="0"/>
-            </a:endParaRPr>
-          </a:p>
-        </p:txBody>
-      </p:sp>
-      <p:sp>
-        <p:nvSpPr>
           <p:cNvPr id="14" name="Date Placeholder 13"/>
           <p:cNvSpPr>
             <a:spLocks noGrp="1"/>
@@ -7415,6 +7387,118 @@
           </a:extLst>
         </p:spPr>
       </p:pic>
+      <p:sp>
+        <p:nvSpPr>
+          <p:cNvPr id="9" name="TextBox 8"/>
+          <p:cNvSpPr txBox="1"/>
+          <p:nvPr/>
+        </p:nvSpPr>
+        <p:spPr>
+          <a:xfrm>
+            <a:off x="6923054" y="1146307"/>
+            <a:ext cx="5315840" cy="461665"/>
+          </a:xfrm>
+          <a:prstGeom prst="rect">
+            <a:avLst/>
+          </a:prstGeom>
+          <a:noFill/>
+        </p:spPr>
+        <p:txBody>
+          <a:bodyPr wrap="square" rtlCol="0">
+            <a:spAutoFit/>
+          </a:bodyPr>
+          <a:lstStyle/>
+          <a:p>
+            <a:r>
+              <a:rPr lang="en-US" sz="2400" i="1" dirty="0" smtClean="0">
+                <a:solidFill>
+                  <a:srgbClr val="00B0F0"/>
+                </a:solidFill>
+                <a:latin typeface="Helvetica" panose="020B0604020202020204" pitchFamily="34" charset="0"/>
+                <a:cs typeface="Helvetica" panose="020B0604020202020204" pitchFamily="34" charset="0"/>
+              </a:rPr>
+              <a:t>Team: 2 </a:t>
+            </a:r>
+            <a:r>
+              <a:rPr lang="en-US" sz="2400" i="1" dirty="0" smtClean="0">
+                <a:solidFill>
+                  <a:srgbClr val="00B0F0"/>
+                </a:solidFill>
+                <a:latin typeface="Helvetica" panose="020B0604020202020204" pitchFamily="34" charset="0"/>
+                <a:cs typeface="Helvetica" panose="020B0604020202020204" pitchFamily="34" charset="0"/>
+              </a:rPr>
+              <a:t>- Mentor</a:t>
+            </a:r>
+            <a:r>
+              <a:rPr lang="en-US" sz="2400" i="1" dirty="0" smtClean="0">
+                <a:solidFill>
+                  <a:srgbClr val="00B0F0"/>
+                </a:solidFill>
+                <a:latin typeface="Helvetica" panose="020B0604020202020204" pitchFamily="34" charset="0"/>
+                <a:cs typeface="Helvetica" panose="020B0604020202020204" pitchFamily="34" charset="0"/>
+              </a:rPr>
+              <a:t>: </a:t>
+            </a:r>
+            <a:r>
+              <a:rPr lang="en-US" sz="2400" i="1" dirty="0" err="1" smtClean="0">
+                <a:solidFill>
+                  <a:srgbClr val="00B0F0"/>
+                </a:solidFill>
+                <a:latin typeface="Helvetica" panose="020B0604020202020204" pitchFamily="34" charset="0"/>
+                <a:cs typeface="Helvetica" panose="020B0604020202020204" pitchFamily="34" charset="0"/>
+              </a:rPr>
+              <a:t>Châu</a:t>
+            </a:r>
+            <a:r>
+              <a:rPr lang="en-US" sz="2400" i="1" dirty="0" smtClean="0">
+                <a:solidFill>
+                  <a:srgbClr val="00B0F0"/>
+                </a:solidFill>
+                <a:latin typeface="Helvetica" panose="020B0604020202020204" pitchFamily="34" charset="0"/>
+                <a:cs typeface="Helvetica" panose="020B0604020202020204" pitchFamily="34" charset="0"/>
+              </a:rPr>
+              <a:t> </a:t>
+            </a:r>
+            <a:r>
+              <a:rPr lang="en-US" sz="2400" i="1" dirty="0" err="1" smtClean="0">
+                <a:solidFill>
+                  <a:srgbClr val="00B0F0"/>
+                </a:solidFill>
+                <a:latin typeface="Helvetica" panose="020B0604020202020204" pitchFamily="34" charset="0"/>
+                <a:cs typeface="Helvetica" panose="020B0604020202020204" pitchFamily="34" charset="0"/>
+              </a:rPr>
+              <a:t>Hớn</a:t>
+            </a:r>
+            <a:r>
+              <a:rPr lang="en-US" sz="2400" i="1" dirty="0" smtClean="0">
+                <a:solidFill>
+                  <a:srgbClr val="00B0F0"/>
+                </a:solidFill>
+                <a:latin typeface="Helvetica" panose="020B0604020202020204" pitchFamily="34" charset="0"/>
+                <a:cs typeface="Helvetica" panose="020B0604020202020204" pitchFamily="34" charset="0"/>
+              </a:rPr>
+              <a:t> </a:t>
+            </a:r>
+            <a:r>
+              <a:rPr lang="en-US" sz="2400" i="1" dirty="0" err="1" smtClean="0">
+                <a:solidFill>
+                  <a:srgbClr val="00B0F0"/>
+                </a:solidFill>
+                <a:latin typeface="Helvetica" panose="020B0604020202020204" pitchFamily="34" charset="0"/>
+                <a:cs typeface="Helvetica" panose="020B0604020202020204" pitchFamily="34" charset="0"/>
+              </a:rPr>
+              <a:t>Cường</a:t>
+            </a:r>
+            <a:endParaRPr lang="en-US" sz="2400" i="1" dirty="0">
+              <a:solidFill>
+                <a:srgbClr val="00B0F0"/>
+              </a:solidFill>
+              <a:latin typeface="Helvetica" panose="020B0604020202020204" pitchFamily="34" charset="0"/>
+              <a:cs typeface="Helvetica" panose="020B0604020202020204" pitchFamily="34" charset="0"/>
+            </a:endParaRPr>
+          </a:p>
+        </p:txBody>
+      </p:sp>
     </p:spTree>
     <p:extLst>
       <p:ext uri="{BB962C8B-B14F-4D97-AF65-F5344CB8AC3E}">
@@ -7708,7 +7792,7 @@
       </p:pic>
       <p:sp>
         <p:nvSpPr>
-          <p:cNvPr id="12" name="TextBox 11"/>
+          <p:cNvPr id="9" name="TextBox 8"/>
           <p:cNvSpPr txBox="1"/>
           <p:nvPr/>
         </p:nvSpPr>
@@ -7736,7 +7820,7 @@
                 <a:latin typeface="Helvetica" panose="020B0604020202020204" pitchFamily="34" charset="0"/>
                 <a:cs typeface="Helvetica" panose="020B0604020202020204" pitchFamily="34" charset="0"/>
               </a:rPr>
-              <a:t>Team: </a:t>
+              <a:t>Team: 2 </a:t>
             </a:r>
             <a:r>
               <a:rPr lang="en-US" sz="2400" i="1" dirty="0" smtClean="0">
@@ -7746,7 +7830,17 @@
                 <a:latin typeface="Helvetica" panose="020B0604020202020204" pitchFamily="34" charset="0"/>
                 <a:cs typeface="Helvetica" panose="020B0604020202020204" pitchFamily="34" charset="0"/>
               </a:rPr>
-              <a:t>2 Mentor: </a:t>
+              <a:t>- Mentor</a:t>
+            </a:r>
+            <a:r>
+              <a:rPr lang="en-US" sz="2400" i="1" dirty="0" smtClean="0">
+                <a:solidFill>
+                  <a:srgbClr val="00B0F0"/>
+                </a:solidFill>
+                <a:latin typeface="Helvetica" panose="020B0604020202020204" pitchFamily="34" charset="0"/>
+                <a:cs typeface="Helvetica" panose="020B0604020202020204" pitchFamily="34" charset="0"/>
+              </a:rPr>
+              <a:t>: </a:t>
             </a:r>
             <a:r>
               <a:rPr lang="en-US" sz="2400" i="1" dirty="0" err="1" smtClean="0">
@@ -7885,7 +7979,6 @@
               <a:rPr lang="en-US" dirty="0"/>
               <a:t>8</a:t>
             </a:r>
-            <a:endParaRPr lang="en-US" dirty="0"/>
           </a:p>
         </p:txBody>
       </p:sp>
@@ -7966,13 +8059,6 @@
               </a:rPr>
               <a:t>Google Books APIs</a:t>
             </a:r>
-            <a:endParaRPr lang="en-US" sz="3600" dirty="0">
-              <a:solidFill>
-                <a:srgbClr val="FF0000"/>
-              </a:solidFill>
-              <a:latin typeface="Helvetica" panose="020B0604020202020204" pitchFamily="34" charset="0"/>
-              <a:cs typeface="Helvetica" panose="020B0604020202020204" pitchFamily="34" charset="0"/>
-            </a:endParaRPr>
           </a:p>
         </p:txBody>
       </p:sp>
@@ -8047,14 +8133,14 @@
       </p:pic>
       <p:sp>
         <p:nvSpPr>
-          <p:cNvPr id="12" name="TextBox 11"/>
+          <p:cNvPr id="2" name="TextBox 1"/>
           <p:cNvSpPr txBox="1"/>
           <p:nvPr/>
         </p:nvSpPr>
         <p:spPr>
           <a:xfrm>
-            <a:off x="6923054" y="1146307"/>
-            <a:ext cx="5315840" cy="461665"/>
+            <a:off x="1078523" y="2543908"/>
+            <a:ext cx="184731" cy="369332"/>
           </a:xfrm>
           <a:prstGeom prst="rect">
             <a:avLst/>
@@ -8062,101 +8148,25 @@
           <a:noFill/>
         </p:spPr>
         <p:txBody>
-          <a:bodyPr wrap="square" rtlCol="0">
+          <a:bodyPr wrap="none" rtlCol="0">
             <a:spAutoFit/>
           </a:bodyPr>
           <a:lstStyle/>
           <a:p>
-            <a:r>
-              <a:rPr lang="en-US" sz="2400" i="1" dirty="0" smtClean="0">
-                <a:solidFill>
-                  <a:srgbClr val="00B0F0"/>
-                </a:solidFill>
-                <a:latin typeface="Helvetica" panose="020B0604020202020204" pitchFamily="34" charset="0"/>
-                <a:cs typeface="Helvetica" panose="020B0604020202020204" pitchFamily="34" charset="0"/>
-              </a:rPr>
-              <a:t>Team: </a:t>
-            </a:r>
-            <a:r>
-              <a:rPr lang="en-US" sz="2400" i="1" dirty="0" smtClean="0">
-                <a:solidFill>
-                  <a:srgbClr val="00B0F0"/>
-                </a:solidFill>
-                <a:latin typeface="Helvetica" panose="020B0604020202020204" pitchFamily="34" charset="0"/>
-                <a:cs typeface="Helvetica" panose="020B0604020202020204" pitchFamily="34" charset="0"/>
-              </a:rPr>
-              <a:t>2 Mentor: </a:t>
-            </a:r>
-            <a:r>
-              <a:rPr lang="en-US" sz="2400" i="1" dirty="0" err="1" smtClean="0">
-                <a:solidFill>
-                  <a:srgbClr val="00B0F0"/>
-                </a:solidFill>
-                <a:latin typeface="Helvetica" panose="020B0604020202020204" pitchFamily="34" charset="0"/>
-                <a:cs typeface="Helvetica" panose="020B0604020202020204" pitchFamily="34" charset="0"/>
-              </a:rPr>
-              <a:t>Châu</a:t>
-            </a:r>
-            <a:r>
-              <a:rPr lang="en-US" sz="2400" i="1" dirty="0" smtClean="0">
-                <a:solidFill>
-                  <a:srgbClr val="00B0F0"/>
-                </a:solidFill>
-                <a:latin typeface="Helvetica" panose="020B0604020202020204" pitchFamily="34" charset="0"/>
-                <a:cs typeface="Helvetica" panose="020B0604020202020204" pitchFamily="34" charset="0"/>
-              </a:rPr>
-              <a:t> </a:t>
-            </a:r>
-            <a:r>
-              <a:rPr lang="en-US" sz="2400" i="1" dirty="0" err="1" smtClean="0">
-                <a:solidFill>
-                  <a:srgbClr val="00B0F0"/>
-                </a:solidFill>
-                <a:latin typeface="Helvetica" panose="020B0604020202020204" pitchFamily="34" charset="0"/>
-                <a:cs typeface="Helvetica" panose="020B0604020202020204" pitchFamily="34" charset="0"/>
-              </a:rPr>
-              <a:t>Hớn</a:t>
-            </a:r>
-            <a:r>
-              <a:rPr lang="en-US" sz="2400" i="1" dirty="0" smtClean="0">
-                <a:solidFill>
-                  <a:srgbClr val="00B0F0"/>
-                </a:solidFill>
-                <a:latin typeface="Helvetica" panose="020B0604020202020204" pitchFamily="34" charset="0"/>
-                <a:cs typeface="Helvetica" panose="020B0604020202020204" pitchFamily="34" charset="0"/>
-              </a:rPr>
-              <a:t> </a:t>
-            </a:r>
-            <a:r>
-              <a:rPr lang="en-US" sz="2400" i="1" dirty="0" err="1" smtClean="0">
-                <a:solidFill>
-                  <a:srgbClr val="00B0F0"/>
-                </a:solidFill>
-                <a:latin typeface="Helvetica" panose="020B0604020202020204" pitchFamily="34" charset="0"/>
-                <a:cs typeface="Helvetica" panose="020B0604020202020204" pitchFamily="34" charset="0"/>
-              </a:rPr>
-              <a:t>Cường</a:t>
-            </a:r>
-            <a:endParaRPr lang="en-US" sz="2400" i="1" dirty="0">
-              <a:solidFill>
-                <a:srgbClr val="00B0F0"/>
-              </a:solidFill>
-              <a:latin typeface="Helvetica" panose="020B0604020202020204" pitchFamily="34" charset="0"/>
-              <a:cs typeface="Helvetica" panose="020B0604020202020204" pitchFamily="34" charset="0"/>
-            </a:endParaRPr>
-          </a:p>
-        </p:txBody>
-      </p:sp>
-      <p:sp>
-        <p:nvSpPr>
-          <p:cNvPr id="2" name="TextBox 1"/>
+            <a:endParaRPr lang="en-US" dirty="0"/>
+          </a:p>
+        </p:txBody>
+      </p:sp>
+      <p:sp>
+        <p:nvSpPr>
+          <p:cNvPr id="3" name="TextBox 2"/>
           <p:cNvSpPr txBox="1"/>
           <p:nvPr/>
         </p:nvSpPr>
         <p:spPr>
           <a:xfrm>
-            <a:off x="1078523" y="2543908"/>
-            <a:ext cx="184731" cy="369332"/>
+            <a:off x="281353" y="2264732"/>
+            <a:ext cx="10480431" cy="369332"/>
           </a:xfrm>
           <a:prstGeom prst="rect">
             <a:avLst/>
@@ -8164,32 +8174,6 @@
           <a:noFill/>
         </p:spPr>
         <p:txBody>
-          <a:bodyPr wrap="none" rtlCol="0">
-            <a:spAutoFit/>
-          </a:bodyPr>
-          <a:lstStyle/>
-          <a:p>
-            <a:endParaRPr lang="en-US" dirty="0"/>
-          </a:p>
-        </p:txBody>
-      </p:sp>
-      <p:sp>
-        <p:nvSpPr>
-          <p:cNvPr id="3" name="TextBox 2"/>
-          <p:cNvSpPr txBox="1"/>
-          <p:nvPr/>
-        </p:nvSpPr>
-        <p:spPr>
-          <a:xfrm>
-            <a:off x="281353" y="2264732"/>
-            <a:ext cx="10480431" cy="369332"/>
-          </a:xfrm>
-          <a:prstGeom prst="rect">
-            <a:avLst/>
-          </a:prstGeom>
-          <a:noFill/>
-        </p:spPr>
-        <p:txBody>
           <a:bodyPr wrap="square" rtlCol="0">
             <a:spAutoFit/>
           </a:bodyPr>
@@ -8237,10 +8221,6 @@
               </a:rPr>
               <a:t>search</a:t>
             </a:r>
-            <a:endParaRPr lang="en-US" dirty="0">
-              <a:latin typeface="Helvetica" panose="020B0604020202020204" pitchFamily="34" charset="0"/>
-              <a:cs typeface="Helvetica" panose="020B0604020202020204" pitchFamily="34" charset="0"/>
-            </a:endParaRPr>
           </a:p>
         </p:txBody>
       </p:sp>
@@ -8298,6 +8278,118 @@
           </a:extLst>
         </p:spPr>
       </p:pic>
+      <p:sp>
+        <p:nvSpPr>
+          <p:cNvPr id="11" name="TextBox 10"/>
+          <p:cNvSpPr txBox="1"/>
+          <p:nvPr/>
+        </p:nvSpPr>
+        <p:spPr>
+          <a:xfrm>
+            <a:off x="6923054" y="1146307"/>
+            <a:ext cx="5315840" cy="461665"/>
+          </a:xfrm>
+          <a:prstGeom prst="rect">
+            <a:avLst/>
+          </a:prstGeom>
+          <a:noFill/>
+        </p:spPr>
+        <p:txBody>
+          <a:bodyPr wrap="square" rtlCol="0">
+            <a:spAutoFit/>
+          </a:bodyPr>
+          <a:lstStyle/>
+          <a:p>
+            <a:r>
+              <a:rPr lang="en-US" sz="2400" i="1" dirty="0" smtClean="0">
+                <a:solidFill>
+                  <a:srgbClr val="00B0F0"/>
+                </a:solidFill>
+                <a:latin typeface="Helvetica" panose="020B0604020202020204" pitchFamily="34" charset="0"/>
+                <a:cs typeface="Helvetica" panose="020B0604020202020204" pitchFamily="34" charset="0"/>
+              </a:rPr>
+              <a:t>Team: 2 </a:t>
+            </a:r>
+            <a:r>
+              <a:rPr lang="en-US" sz="2400" i="1" dirty="0" smtClean="0">
+                <a:solidFill>
+                  <a:srgbClr val="00B0F0"/>
+                </a:solidFill>
+                <a:latin typeface="Helvetica" panose="020B0604020202020204" pitchFamily="34" charset="0"/>
+                <a:cs typeface="Helvetica" panose="020B0604020202020204" pitchFamily="34" charset="0"/>
+              </a:rPr>
+              <a:t>- Mentor</a:t>
+            </a:r>
+            <a:r>
+              <a:rPr lang="en-US" sz="2400" i="1" dirty="0" smtClean="0">
+                <a:solidFill>
+                  <a:srgbClr val="00B0F0"/>
+                </a:solidFill>
+                <a:latin typeface="Helvetica" panose="020B0604020202020204" pitchFamily="34" charset="0"/>
+                <a:cs typeface="Helvetica" panose="020B0604020202020204" pitchFamily="34" charset="0"/>
+              </a:rPr>
+              <a:t>: </a:t>
+            </a:r>
+            <a:r>
+              <a:rPr lang="en-US" sz="2400" i="1" dirty="0" err="1" smtClean="0">
+                <a:solidFill>
+                  <a:srgbClr val="00B0F0"/>
+                </a:solidFill>
+                <a:latin typeface="Helvetica" panose="020B0604020202020204" pitchFamily="34" charset="0"/>
+                <a:cs typeface="Helvetica" panose="020B0604020202020204" pitchFamily="34" charset="0"/>
+              </a:rPr>
+              <a:t>Châu</a:t>
+            </a:r>
+            <a:r>
+              <a:rPr lang="en-US" sz="2400" i="1" dirty="0" smtClean="0">
+                <a:solidFill>
+                  <a:srgbClr val="00B0F0"/>
+                </a:solidFill>
+                <a:latin typeface="Helvetica" panose="020B0604020202020204" pitchFamily="34" charset="0"/>
+                <a:cs typeface="Helvetica" panose="020B0604020202020204" pitchFamily="34" charset="0"/>
+              </a:rPr>
+              <a:t> </a:t>
+            </a:r>
+            <a:r>
+              <a:rPr lang="en-US" sz="2400" i="1" dirty="0" err="1" smtClean="0">
+                <a:solidFill>
+                  <a:srgbClr val="00B0F0"/>
+                </a:solidFill>
+                <a:latin typeface="Helvetica" panose="020B0604020202020204" pitchFamily="34" charset="0"/>
+                <a:cs typeface="Helvetica" panose="020B0604020202020204" pitchFamily="34" charset="0"/>
+              </a:rPr>
+              <a:t>Hớn</a:t>
+            </a:r>
+            <a:r>
+              <a:rPr lang="en-US" sz="2400" i="1" dirty="0" smtClean="0">
+                <a:solidFill>
+                  <a:srgbClr val="00B0F0"/>
+                </a:solidFill>
+                <a:latin typeface="Helvetica" panose="020B0604020202020204" pitchFamily="34" charset="0"/>
+                <a:cs typeface="Helvetica" panose="020B0604020202020204" pitchFamily="34" charset="0"/>
+              </a:rPr>
+              <a:t> </a:t>
+            </a:r>
+            <a:r>
+              <a:rPr lang="en-US" sz="2400" i="1" dirty="0" err="1" smtClean="0">
+                <a:solidFill>
+                  <a:srgbClr val="00B0F0"/>
+                </a:solidFill>
+                <a:latin typeface="Helvetica" panose="020B0604020202020204" pitchFamily="34" charset="0"/>
+                <a:cs typeface="Helvetica" panose="020B0604020202020204" pitchFamily="34" charset="0"/>
+              </a:rPr>
+              <a:t>Cường</a:t>
+            </a:r>
+            <a:endParaRPr lang="en-US" sz="2400" i="1" dirty="0">
+              <a:solidFill>
+                <a:srgbClr val="00B0F0"/>
+              </a:solidFill>
+              <a:latin typeface="Helvetica" panose="020B0604020202020204" pitchFamily="34" charset="0"/>
+              <a:cs typeface="Helvetica" panose="020B0604020202020204" pitchFamily="34" charset="0"/>
+            </a:endParaRPr>
+          </a:p>
+        </p:txBody>
+      </p:sp>
     </p:spTree>
     <p:extLst>
       <p:ext uri="{BB962C8B-B14F-4D97-AF65-F5344CB8AC3E}">
@@ -8456,13 +8548,6 @@
               </a:rPr>
               <a:t>Task assignment</a:t>
             </a:r>
-            <a:endParaRPr lang="en-US" sz="3600" dirty="0">
-              <a:solidFill>
-                <a:srgbClr val="FF0000"/>
-              </a:solidFill>
-              <a:latin typeface="Helvetica" panose="020B0604020202020204" pitchFamily="34" charset="0"/>
-              <a:cs typeface="Helvetica" panose="020B0604020202020204" pitchFamily="34" charset="0"/>
-            </a:endParaRPr>
           </a:p>
         </p:txBody>
       </p:sp>
@@ -8537,14 +8622,14 @@
       </p:pic>
       <p:sp>
         <p:nvSpPr>
-          <p:cNvPr id="12" name="TextBox 11"/>
+          <p:cNvPr id="2" name="TextBox 1"/>
           <p:cNvSpPr txBox="1"/>
           <p:nvPr/>
         </p:nvSpPr>
         <p:spPr>
           <a:xfrm>
-            <a:off x="6923054" y="1146307"/>
-            <a:ext cx="5315840" cy="461665"/>
+            <a:off x="1078523" y="2543908"/>
+            <a:ext cx="184731" cy="369332"/>
           </a:xfrm>
           <a:prstGeom prst="rect">
             <a:avLst/>
@@ -8552,11 +8637,341 @@
           <a:noFill/>
         </p:spPr>
         <p:txBody>
+          <a:bodyPr wrap="none" rtlCol="0">
+            <a:spAutoFit/>
+          </a:bodyPr>
+          <a:lstStyle/>
+          <a:p>
+            <a:endParaRPr lang="en-US" dirty="0"/>
+          </a:p>
+        </p:txBody>
+      </p:sp>
+      <p:sp>
+        <p:nvSpPr>
+          <p:cNvPr id="6" name="TextBox 5"/>
+          <p:cNvSpPr txBox="1"/>
+          <p:nvPr/>
+        </p:nvSpPr>
+        <p:spPr>
+          <a:xfrm>
+            <a:off x="476517" y="2543908"/>
+            <a:ext cx="10484559" cy="3785652"/>
+          </a:xfrm>
+          <a:prstGeom prst="rect">
+            <a:avLst/>
+          </a:prstGeom>
+          <a:noFill/>
+        </p:spPr>
+        <p:txBody>
           <a:bodyPr wrap="square" rtlCol="0">
             <a:spAutoFit/>
           </a:bodyPr>
           <a:lstStyle/>
           <a:p>
+            <a:pPr marL="285750" indent="-285750">
+              <a:buFont typeface="Courier New" panose="02070309020205020404" pitchFamily="49" charset="0"/>
+              <a:buChar char="o"/>
+            </a:pPr>
+            <a:r>
+              <a:rPr lang="en-US" sz="2400" dirty="0" err="1" smtClean="0">
+                <a:solidFill>
+                  <a:srgbClr val="FF0000"/>
+                </a:solidFill>
+                <a:latin typeface="Helvetica" panose="020B0604020202020204" pitchFamily="34" charset="0"/>
+                <a:cs typeface="Helvetica" panose="020B0604020202020204" pitchFamily="34" charset="0"/>
+              </a:rPr>
+              <a:t>TuanHoang</a:t>
+            </a:r>
+            <a:r>
+              <a:rPr lang="en-US" sz="2400" dirty="0" smtClean="0">
+                <a:latin typeface="Helvetica" panose="020B0604020202020204" pitchFamily="34" charset="0"/>
+                <a:cs typeface="Helvetica" panose="020B0604020202020204" pitchFamily="34" charset="0"/>
+              </a:rPr>
+              <a:t>: </a:t>
+            </a:r>
+            <a:r>
+              <a:rPr lang="en-US" sz="2400" dirty="0" err="1" smtClean="0">
+                <a:latin typeface="Helvetica" panose="020B0604020202020204" pitchFamily="34" charset="0"/>
+                <a:cs typeface="Helvetica" panose="020B0604020202020204" pitchFamily="34" charset="0"/>
+              </a:rPr>
+              <a:t>Configspring</a:t>
+            </a:r>
+            <a:r>
+              <a:rPr lang="en-US" sz="2400" dirty="0" smtClean="0">
+                <a:latin typeface="Helvetica" panose="020B0604020202020204" pitchFamily="34" charset="0"/>
+                <a:cs typeface="Helvetica" panose="020B0604020202020204" pitchFamily="34" charset="0"/>
+              </a:rPr>
+              <a:t> boot, </a:t>
+            </a:r>
+            <a:r>
+              <a:rPr lang="en-US" sz="2400" dirty="0" err="1" smtClean="0">
+                <a:latin typeface="Helvetica" panose="020B0604020202020204" pitchFamily="34" charset="0"/>
+                <a:cs typeface="Helvetica" panose="020B0604020202020204" pitchFamily="34" charset="0"/>
+              </a:rPr>
+              <a:t>config</a:t>
+            </a:r>
+            <a:r>
+              <a:rPr lang="en-US" sz="2400" dirty="0" smtClean="0">
+                <a:latin typeface="Helvetica" panose="020B0604020202020204" pitchFamily="34" charset="0"/>
+                <a:cs typeface="Helvetica" panose="020B0604020202020204" pitchFamily="34" charset="0"/>
+              </a:rPr>
+              <a:t> spring security, login, logout, register, create database, </a:t>
+            </a:r>
+            <a:r>
+              <a:rPr lang="en-US" sz="2400" dirty="0">
+                <a:latin typeface="Helvetica" panose="020B0604020202020204" pitchFamily="34" charset="0"/>
+                <a:cs typeface="Helvetica" panose="020B0604020202020204" pitchFamily="34" charset="0"/>
+              </a:rPr>
+              <a:t>search autocomplete, sent and </a:t>
+            </a:r>
+            <a:r>
+              <a:rPr lang="en-US" sz="2400" dirty="0" smtClean="0">
+                <a:latin typeface="Helvetica" panose="020B0604020202020204" pitchFamily="34" charset="0"/>
+                <a:cs typeface="Helvetica" panose="020B0604020202020204" pitchFamily="34" charset="0"/>
+              </a:rPr>
+              <a:t>receive data with </a:t>
+            </a:r>
+            <a:r>
+              <a:rPr lang="en-US" sz="2400" dirty="0" err="1" smtClean="0">
+                <a:latin typeface="Helvetica" panose="020B0604020202020204" pitchFamily="34" charset="0"/>
+                <a:cs typeface="Helvetica" panose="020B0604020202020204" pitchFamily="34" charset="0"/>
+              </a:rPr>
+              <a:t>ajax</a:t>
+            </a:r>
+            <a:r>
+              <a:rPr lang="en-US" sz="2400" dirty="0" smtClean="0">
+                <a:latin typeface="Helvetica" panose="020B0604020202020204" pitchFamily="34" charset="0"/>
+                <a:cs typeface="Helvetica" panose="020B0604020202020204" pitchFamily="34" charset="0"/>
+              </a:rPr>
+              <a:t>, trigger in </a:t>
+            </a:r>
+            <a:r>
+              <a:rPr lang="en-US" sz="2400" dirty="0" err="1" smtClean="0">
+                <a:latin typeface="Helvetica" panose="020B0604020202020204" pitchFamily="34" charset="0"/>
+                <a:cs typeface="Helvetica" panose="020B0604020202020204" pitchFamily="34" charset="0"/>
+              </a:rPr>
+              <a:t>sql</a:t>
+            </a:r>
+            <a:r>
+              <a:rPr lang="en-US" sz="2400" dirty="0" smtClean="0">
+                <a:latin typeface="Helvetica" panose="020B0604020202020204" pitchFamily="34" charset="0"/>
+                <a:cs typeface="Helvetica" panose="020B0604020202020204" pitchFamily="34" charset="0"/>
+              </a:rPr>
+              <a:t>…</a:t>
+            </a:r>
+          </a:p>
+          <a:p>
+            <a:pPr marL="285750" indent="-285750">
+              <a:buFont typeface="Courier New" panose="02070309020205020404" pitchFamily="49" charset="0"/>
+              <a:buChar char="o"/>
+            </a:pPr>
+            <a:r>
+              <a:rPr lang="en-US" sz="2400" dirty="0" err="1" smtClean="0">
+                <a:solidFill>
+                  <a:srgbClr val="FF0000"/>
+                </a:solidFill>
+                <a:latin typeface="Helvetica" panose="020B0604020202020204" pitchFamily="34" charset="0"/>
+                <a:cs typeface="Helvetica" panose="020B0604020202020204" pitchFamily="34" charset="0"/>
+              </a:rPr>
+              <a:t>LuuDao</a:t>
+            </a:r>
+            <a:r>
+              <a:rPr lang="en-US" sz="2400" dirty="0">
+                <a:latin typeface="Helvetica" panose="020B0604020202020204" pitchFamily="34" charset="0"/>
+                <a:cs typeface="Helvetica" panose="020B0604020202020204" pitchFamily="34" charset="0"/>
+              </a:rPr>
+              <a:t>: </a:t>
+            </a:r>
+            <a:r>
+              <a:rPr lang="en-US" sz="2400" dirty="0" smtClean="0">
+                <a:latin typeface="Helvetica" panose="020B0604020202020204" pitchFamily="34" charset="0"/>
+                <a:cs typeface="Helvetica" panose="020B0604020202020204" pitchFamily="34" charset="0"/>
+              </a:rPr>
+              <a:t>Paginate book, paginate user, edit book, delete book, borrow book,</a:t>
+            </a:r>
+            <a:r>
+              <a:rPr lang="en-US" sz="2400" dirty="0">
+                <a:latin typeface="Helvetica" panose="020B0604020202020204" pitchFamily="34" charset="0"/>
+                <a:cs typeface="Helvetica" panose="020B0604020202020204" pitchFamily="34" charset="0"/>
+              </a:rPr>
+              <a:t> sent and receive data with </a:t>
+            </a:r>
+            <a:r>
+              <a:rPr lang="en-US" sz="2400" dirty="0" err="1" smtClean="0">
+                <a:latin typeface="Helvetica" panose="020B0604020202020204" pitchFamily="34" charset="0"/>
+                <a:cs typeface="Helvetica" panose="020B0604020202020204" pitchFamily="34" charset="0"/>
+              </a:rPr>
+              <a:t>ajax</a:t>
+            </a:r>
+            <a:r>
+              <a:rPr lang="en-US" sz="2400" dirty="0" smtClean="0">
+                <a:latin typeface="Helvetica" panose="020B0604020202020204" pitchFamily="34" charset="0"/>
+                <a:cs typeface="Helvetica" panose="020B0604020202020204" pitchFamily="34" charset="0"/>
+              </a:rPr>
+              <a:t>, add book.</a:t>
+            </a:r>
+          </a:p>
+          <a:p>
+            <a:pPr marL="285750" indent="-285750">
+              <a:buFont typeface="Courier New" panose="02070309020205020404" pitchFamily="49" charset="0"/>
+              <a:buChar char="o"/>
+            </a:pPr>
+            <a:r>
+              <a:rPr lang="en-US" sz="2400" dirty="0" err="1" smtClean="0">
+                <a:solidFill>
+                  <a:srgbClr val="FF0000"/>
+                </a:solidFill>
+                <a:latin typeface="Helvetica" panose="020B0604020202020204" pitchFamily="34" charset="0"/>
+                <a:cs typeface="Helvetica" panose="020B0604020202020204" pitchFamily="34" charset="0"/>
+              </a:rPr>
+              <a:t>Bach</a:t>
+            </a:r>
+            <a:r>
+              <a:rPr lang="en-US" sz="2400" dirty="0" err="1">
+                <a:solidFill>
+                  <a:srgbClr val="FF0000"/>
+                </a:solidFill>
+                <a:latin typeface="Helvetica" panose="020B0604020202020204" pitchFamily="34" charset="0"/>
+                <a:cs typeface="Helvetica" panose="020B0604020202020204" pitchFamily="34" charset="0"/>
+              </a:rPr>
+              <a:t>Nguyen</a:t>
+            </a:r>
+            <a:r>
+              <a:rPr lang="en-US" sz="2400" dirty="0" smtClean="0">
+                <a:latin typeface="Helvetica" panose="020B0604020202020204" pitchFamily="34" charset="0"/>
+                <a:cs typeface="Helvetica" panose="020B0604020202020204" pitchFamily="34" charset="0"/>
+              </a:rPr>
+              <a:t>: Validate ISBN with service Google</a:t>
+            </a:r>
+            <a:r>
+              <a:rPr lang="en-US" sz="2400" dirty="0">
+                <a:latin typeface="Helvetica" panose="020B0604020202020204" pitchFamily="34" charset="0"/>
+                <a:cs typeface="Helvetica" panose="020B0604020202020204" pitchFamily="34" charset="0"/>
+              </a:rPr>
+              <a:t>, Report </a:t>
+            </a:r>
+            <a:r>
+              <a:rPr lang="en-US" sz="2400" dirty="0" smtClean="0">
+                <a:latin typeface="Helvetica" panose="020B0604020202020204" pitchFamily="34" charset="0"/>
+                <a:cs typeface="Helvetica" panose="020B0604020202020204" pitchFamily="34" charset="0"/>
+              </a:rPr>
+              <a:t>weekly/monthly/yearly, insert database</a:t>
+            </a:r>
+          </a:p>
+          <a:p>
+            <a:pPr marL="285750" indent="-285750">
+              <a:buFont typeface="Courier New" panose="02070309020205020404" pitchFamily="49" charset="0"/>
+              <a:buChar char="o"/>
+            </a:pPr>
+            <a:r>
+              <a:rPr lang="en-US" sz="2400" dirty="0" err="1">
+                <a:solidFill>
+                  <a:srgbClr val="FF0000"/>
+                </a:solidFill>
+                <a:latin typeface="Helvetica" panose="020B0604020202020204" pitchFamily="34" charset="0"/>
+                <a:cs typeface="Helvetica" panose="020B0604020202020204" pitchFamily="34" charset="0"/>
+              </a:rPr>
+              <a:t>DungThuy</a:t>
+            </a:r>
+            <a:r>
+              <a:rPr lang="en-US" sz="2400" dirty="0" smtClean="0">
+                <a:latin typeface="Helvetica" panose="020B0604020202020204" pitchFamily="34" charset="0"/>
+                <a:cs typeface="Helvetica" panose="020B0604020202020204" pitchFamily="34" charset="0"/>
+              </a:rPr>
+              <a:t>: Save Ticket in admin page, Unit Test case, </a:t>
+            </a:r>
+            <a:r>
+              <a:rPr lang="en-US" sz="2400" dirty="0" err="1" smtClean="0">
+                <a:latin typeface="Helvetica" panose="020B0604020202020204" pitchFamily="34" charset="0"/>
+                <a:cs typeface="Helvetica" panose="020B0604020202020204" pitchFamily="34" charset="0"/>
+              </a:rPr>
+              <a:t>jquery</a:t>
+            </a:r>
+            <a:r>
+              <a:rPr lang="en-US" sz="2400" dirty="0" smtClean="0">
+                <a:latin typeface="Helvetica" panose="020B0604020202020204" pitchFamily="34" charset="0"/>
+                <a:cs typeface="Helvetica" panose="020B0604020202020204" pitchFamily="34" charset="0"/>
+              </a:rPr>
+              <a:t> validate</a:t>
+            </a:r>
+          </a:p>
+          <a:p>
+            <a:pPr marL="285750" indent="-285750">
+              <a:buFont typeface="Courier New" panose="02070309020205020404" pitchFamily="49" charset="0"/>
+              <a:buChar char="o"/>
+            </a:pPr>
+            <a:r>
+              <a:rPr lang="en-US" sz="2400" dirty="0" err="1" smtClean="0">
+                <a:solidFill>
+                  <a:srgbClr val="FF0000"/>
+                </a:solidFill>
+                <a:latin typeface="Helvetica" panose="020B0604020202020204" pitchFamily="34" charset="0"/>
+                <a:cs typeface="Helvetica" panose="020B0604020202020204" pitchFamily="34" charset="0"/>
+              </a:rPr>
+              <a:t>HuuMa</a:t>
+            </a:r>
+            <a:r>
+              <a:rPr lang="en-US" sz="2400" dirty="0" smtClean="0">
+                <a:latin typeface="Helvetica" panose="020B0604020202020204" pitchFamily="34" charset="0"/>
+                <a:cs typeface="Helvetica" panose="020B0604020202020204" pitchFamily="34" charset="0"/>
+              </a:rPr>
+              <a:t>: Html + CSS + Bootstrap </a:t>
+            </a:r>
+          </a:p>
+          <a:p>
+            <a:pPr marL="285750" indent="-285750">
+              <a:buFont typeface="Courier New" panose="02070309020205020404" pitchFamily="49" charset="0"/>
+              <a:buChar char="o"/>
+            </a:pPr>
+            <a:r>
+              <a:rPr lang="en-US" sz="2400" dirty="0" err="1" smtClean="0">
+                <a:solidFill>
+                  <a:srgbClr val="FF0000"/>
+                </a:solidFill>
+                <a:latin typeface="Helvetica" panose="020B0604020202020204" pitchFamily="34" charset="0"/>
+                <a:cs typeface="Helvetica" panose="020B0604020202020204" pitchFamily="34" charset="0"/>
+              </a:rPr>
+              <a:t>AnDang</a:t>
+            </a:r>
+            <a:r>
+              <a:rPr lang="en-US" sz="2400" dirty="0" smtClean="0">
+                <a:latin typeface="Helvetica" panose="020B0604020202020204" pitchFamily="34" charset="0"/>
+                <a:cs typeface="Helvetica" panose="020B0604020202020204" pitchFamily="34" charset="0"/>
+              </a:rPr>
+              <a:t>: </a:t>
+            </a:r>
+            <a:r>
+              <a:rPr lang="en-US" sz="2400" dirty="0">
+                <a:latin typeface="Helvetica" panose="020B0604020202020204" pitchFamily="34" charset="0"/>
+                <a:cs typeface="Helvetica" panose="020B0604020202020204" pitchFamily="34" charset="0"/>
+              </a:rPr>
+              <a:t>Html + CSS + Bootstrap </a:t>
+            </a:r>
+          </a:p>
+        </p:txBody>
+      </p:sp>
+      <p:sp>
+        <p:nvSpPr>
+          <p:cNvPr id="11" name="TextBox 10"/>
+          <p:cNvSpPr txBox="1"/>
+          <p:nvPr/>
+        </p:nvSpPr>
+        <p:spPr>
+          <a:xfrm>
+            <a:off x="6923054" y="1146307"/>
+            <a:ext cx="5315840" cy="461665"/>
+          </a:xfrm>
+          <a:prstGeom prst="rect">
+            <a:avLst/>
+          </a:prstGeom>
+          <a:noFill/>
+        </p:spPr>
+        <p:txBody>
+          <a:bodyPr wrap="square" rtlCol="0">
+            <a:spAutoFit/>
+          </a:bodyPr>
+          <a:lstStyle/>
+          <a:p>
             <a:r>
               <a:rPr lang="en-US" sz="2400" i="1" dirty="0" smtClean="0">
                 <a:solidFill>
@@ -8565,7 +8980,7 @@
                 <a:latin typeface="Helvetica" panose="020B0604020202020204" pitchFamily="34" charset="0"/>
                 <a:cs typeface="Helvetica" panose="020B0604020202020204" pitchFamily="34" charset="0"/>
               </a:rPr>
-              <a:t>Team: </a:t>
+              <a:t>Team: 2 </a:t>
             </a:r>
             <a:r>
               <a:rPr lang="en-US" sz="2400" i="1" dirty="0" smtClean="0">
@@ -8575,7 +8990,17 @@
                 <a:latin typeface="Helvetica" panose="020B0604020202020204" pitchFamily="34" charset="0"/>
                 <a:cs typeface="Helvetica" panose="020B0604020202020204" pitchFamily="34" charset="0"/>
               </a:rPr>
-              <a:t>2 Mentor: </a:t>
+              <a:t>- Mentor</a:t>
+            </a:r>
+            <a:r>
+              <a:rPr lang="en-US" sz="2400" i="1" dirty="0" smtClean="0">
+                <a:solidFill>
+                  <a:srgbClr val="00B0F0"/>
+                </a:solidFill>
+                <a:latin typeface="Helvetica" panose="020B0604020202020204" pitchFamily="34" charset="0"/>
+                <a:cs typeface="Helvetica" panose="020B0604020202020204" pitchFamily="34" charset="0"/>
+              </a:rPr>
+              <a:t>: </a:t>
             </a:r>
             <a:r>
               <a:rPr lang="en-US" sz="2400" i="1" dirty="0" err="1" smtClean="0">
@@ -8634,336 +9059,6 @@
               <a:latin typeface="Helvetica" panose="020B0604020202020204" pitchFamily="34" charset="0"/>
               <a:cs typeface="Helvetica" panose="020B0604020202020204" pitchFamily="34" charset="0"/>
             </a:endParaRPr>
-          </a:p>
-        </p:txBody>
-      </p:sp>
-      <p:sp>
-        <p:nvSpPr>
-          <p:cNvPr id="2" name="TextBox 1"/>
-          <p:cNvSpPr txBox="1"/>
-          <p:nvPr/>
-        </p:nvSpPr>
-        <p:spPr>
-          <a:xfrm>
-            <a:off x="1078523" y="2543908"/>
-            <a:ext cx="184731" cy="369332"/>
-          </a:xfrm>
-          <a:prstGeom prst="rect">
-            <a:avLst/>
-          </a:prstGeom>
-          <a:noFill/>
-        </p:spPr>
-        <p:txBody>
-          <a:bodyPr wrap="none" rtlCol="0">
-            <a:spAutoFit/>
-          </a:bodyPr>
-          <a:lstStyle/>
-          <a:p>
-            <a:endParaRPr lang="en-US" dirty="0"/>
-          </a:p>
-        </p:txBody>
-      </p:sp>
-      <p:sp>
-        <p:nvSpPr>
-          <p:cNvPr id="6" name="TextBox 5"/>
-          <p:cNvSpPr txBox="1"/>
-          <p:nvPr/>
-        </p:nvSpPr>
-        <p:spPr>
-          <a:xfrm>
-            <a:off x="476517" y="2543908"/>
-            <a:ext cx="10484559" cy="3785652"/>
-          </a:xfrm>
-          <a:prstGeom prst="rect">
-            <a:avLst/>
-          </a:prstGeom>
-          <a:noFill/>
-        </p:spPr>
-        <p:txBody>
-          <a:bodyPr wrap="square" rtlCol="0">
-            <a:spAutoFit/>
-          </a:bodyPr>
-          <a:lstStyle/>
-          <a:p>
-            <a:pPr marL="285750" indent="-285750">
-              <a:buFont typeface="Courier New" panose="02070309020205020404" pitchFamily="49" charset="0"/>
-              <a:buChar char="o"/>
-            </a:pPr>
-            <a:r>
-              <a:rPr lang="en-US" sz="2400" dirty="0" err="1" smtClean="0">
-                <a:solidFill>
-                  <a:srgbClr val="FF0000"/>
-                </a:solidFill>
-                <a:latin typeface="Helvetica" panose="020B0604020202020204" pitchFamily="34" charset="0"/>
-                <a:cs typeface="Helvetica" panose="020B0604020202020204" pitchFamily="34" charset="0"/>
-              </a:rPr>
-              <a:t>TuanHoang</a:t>
-            </a:r>
-            <a:r>
-              <a:rPr lang="en-US" sz="2400" dirty="0" smtClean="0">
-                <a:latin typeface="Helvetica" panose="020B0604020202020204" pitchFamily="34" charset="0"/>
-                <a:cs typeface="Helvetica" panose="020B0604020202020204" pitchFamily="34" charset="0"/>
-              </a:rPr>
-              <a:t>: </a:t>
-            </a:r>
-            <a:r>
-              <a:rPr lang="en-US" sz="2400" dirty="0" err="1" smtClean="0">
-                <a:latin typeface="Helvetica" panose="020B0604020202020204" pitchFamily="34" charset="0"/>
-                <a:cs typeface="Helvetica" panose="020B0604020202020204" pitchFamily="34" charset="0"/>
-              </a:rPr>
-              <a:t>Configspring</a:t>
-            </a:r>
-            <a:r>
-              <a:rPr lang="en-US" sz="2400" dirty="0" smtClean="0">
-                <a:latin typeface="Helvetica" panose="020B0604020202020204" pitchFamily="34" charset="0"/>
-                <a:cs typeface="Helvetica" panose="020B0604020202020204" pitchFamily="34" charset="0"/>
-              </a:rPr>
-              <a:t> boot, </a:t>
-            </a:r>
-            <a:r>
-              <a:rPr lang="en-US" sz="2400" dirty="0" err="1" smtClean="0">
-                <a:latin typeface="Helvetica" panose="020B0604020202020204" pitchFamily="34" charset="0"/>
-                <a:cs typeface="Helvetica" panose="020B0604020202020204" pitchFamily="34" charset="0"/>
-              </a:rPr>
-              <a:t>config</a:t>
-            </a:r>
-            <a:r>
-              <a:rPr lang="en-US" sz="2400" dirty="0" smtClean="0">
-                <a:latin typeface="Helvetica" panose="020B0604020202020204" pitchFamily="34" charset="0"/>
-                <a:cs typeface="Helvetica" panose="020B0604020202020204" pitchFamily="34" charset="0"/>
-              </a:rPr>
-              <a:t> spring security, login, logout, register, create database, </a:t>
-            </a:r>
-            <a:r>
-              <a:rPr lang="en-US" sz="2400" dirty="0">
-                <a:latin typeface="Helvetica" panose="020B0604020202020204" pitchFamily="34" charset="0"/>
-                <a:cs typeface="Helvetica" panose="020B0604020202020204" pitchFamily="34" charset="0"/>
-              </a:rPr>
-              <a:t>search autocomplete, sent and </a:t>
-            </a:r>
-            <a:r>
-              <a:rPr lang="en-US" sz="2400" dirty="0" smtClean="0">
-                <a:latin typeface="Helvetica" panose="020B0604020202020204" pitchFamily="34" charset="0"/>
-                <a:cs typeface="Helvetica" panose="020B0604020202020204" pitchFamily="34" charset="0"/>
-              </a:rPr>
-              <a:t>receive data with </a:t>
-            </a:r>
-            <a:r>
-              <a:rPr lang="en-US" sz="2400" dirty="0" err="1" smtClean="0">
-                <a:latin typeface="Helvetica" panose="020B0604020202020204" pitchFamily="34" charset="0"/>
-                <a:cs typeface="Helvetica" panose="020B0604020202020204" pitchFamily="34" charset="0"/>
-              </a:rPr>
-              <a:t>ajax</a:t>
-            </a:r>
-            <a:r>
-              <a:rPr lang="en-US" sz="2400" dirty="0" smtClean="0">
-                <a:latin typeface="Helvetica" panose="020B0604020202020204" pitchFamily="34" charset="0"/>
-                <a:cs typeface="Helvetica" panose="020B0604020202020204" pitchFamily="34" charset="0"/>
-              </a:rPr>
-              <a:t>, trigger in </a:t>
-            </a:r>
-            <a:r>
-              <a:rPr lang="en-US" sz="2400" dirty="0" err="1" smtClean="0">
-                <a:latin typeface="Helvetica" panose="020B0604020202020204" pitchFamily="34" charset="0"/>
-                <a:cs typeface="Helvetica" panose="020B0604020202020204" pitchFamily="34" charset="0"/>
-              </a:rPr>
-              <a:t>sql</a:t>
-            </a:r>
-            <a:r>
-              <a:rPr lang="en-US" sz="2400" dirty="0" smtClean="0">
-                <a:latin typeface="Helvetica" panose="020B0604020202020204" pitchFamily="34" charset="0"/>
-                <a:cs typeface="Helvetica" panose="020B0604020202020204" pitchFamily="34" charset="0"/>
-              </a:rPr>
-              <a:t>…</a:t>
-            </a:r>
-          </a:p>
-          <a:p>
-            <a:pPr marL="285750" indent="-285750">
-              <a:buFont typeface="Courier New" panose="02070309020205020404" pitchFamily="49" charset="0"/>
-              <a:buChar char="o"/>
-            </a:pPr>
-            <a:r>
-              <a:rPr lang="en-US" sz="2400" dirty="0" err="1" smtClean="0">
-                <a:solidFill>
-                  <a:srgbClr val="FF0000"/>
-                </a:solidFill>
-                <a:latin typeface="Helvetica" panose="020B0604020202020204" pitchFamily="34" charset="0"/>
-                <a:cs typeface="Helvetica" panose="020B0604020202020204" pitchFamily="34" charset="0"/>
-              </a:rPr>
-              <a:t>LuuDao</a:t>
-            </a:r>
-            <a:r>
-              <a:rPr lang="en-US" sz="2400" dirty="0">
-                <a:latin typeface="Helvetica" panose="020B0604020202020204" pitchFamily="34" charset="0"/>
-                <a:cs typeface="Helvetica" panose="020B0604020202020204" pitchFamily="34" charset="0"/>
-              </a:rPr>
-              <a:t>: </a:t>
-            </a:r>
-            <a:r>
-              <a:rPr lang="en-US" sz="2400" dirty="0" smtClean="0">
-                <a:latin typeface="Helvetica" panose="020B0604020202020204" pitchFamily="34" charset="0"/>
-                <a:cs typeface="Helvetica" panose="020B0604020202020204" pitchFamily="34" charset="0"/>
-              </a:rPr>
-              <a:t>Paginate book, paginate user, edit book, delete book, borrow book,</a:t>
-            </a:r>
-            <a:r>
-              <a:rPr lang="en-US" sz="2400" dirty="0">
-                <a:latin typeface="Helvetica" panose="020B0604020202020204" pitchFamily="34" charset="0"/>
-                <a:cs typeface="Helvetica" panose="020B0604020202020204" pitchFamily="34" charset="0"/>
-              </a:rPr>
-              <a:t> sent and receive data with </a:t>
-            </a:r>
-            <a:r>
-              <a:rPr lang="en-US" sz="2400" dirty="0" err="1" smtClean="0">
-                <a:latin typeface="Helvetica" panose="020B0604020202020204" pitchFamily="34" charset="0"/>
-                <a:cs typeface="Helvetica" panose="020B0604020202020204" pitchFamily="34" charset="0"/>
-              </a:rPr>
-              <a:t>ajax</a:t>
-            </a:r>
-            <a:r>
-              <a:rPr lang="en-US" sz="2400" dirty="0" smtClean="0">
-                <a:latin typeface="Helvetica" panose="020B0604020202020204" pitchFamily="34" charset="0"/>
-                <a:cs typeface="Helvetica" panose="020B0604020202020204" pitchFamily="34" charset="0"/>
-              </a:rPr>
-              <a:t>, add book.</a:t>
-            </a:r>
-          </a:p>
-          <a:p>
-            <a:pPr marL="285750" indent="-285750">
-              <a:buFont typeface="Courier New" panose="02070309020205020404" pitchFamily="49" charset="0"/>
-              <a:buChar char="o"/>
-            </a:pPr>
-            <a:r>
-              <a:rPr lang="en-US" sz="2400" dirty="0" err="1" smtClean="0">
-                <a:solidFill>
-                  <a:srgbClr val="FF0000"/>
-                </a:solidFill>
-                <a:latin typeface="Helvetica" panose="020B0604020202020204" pitchFamily="34" charset="0"/>
-                <a:cs typeface="Helvetica" panose="020B0604020202020204" pitchFamily="34" charset="0"/>
-              </a:rPr>
-              <a:t>Bach</a:t>
-            </a:r>
-            <a:r>
-              <a:rPr lang="en-US" sz="2400" dirty="0" err="1">
-                <a:solidFill>
-                  <a:srgbClr val="FF0000"/>
-                </a:solidFill>
-                <a:latin typeface="Helvetica" panose="020B0604020202020204" pitchFamily="34" charset="0"/>
-                <a:cs typeface="Helvetica" panose="020B0604020202020204" pitchFamily="34" charset="0"/>
-              </a:rPr>
-              <a:t>Nguyen</a:t>
-            </a:r>
-            <a:r>
-              <a:rPr lang="en-US" sz="2400" dirty="0" smtClean="0">
-                <a:latin typeface="Helvetica" panose="020B0604020202020204" pitchFamily="34" charset="0"/>
-                <a:cs typeface="Helvetica" panose="020B0604020202020204" pitchFamily="34" charset="0"/>
-              </a:rPr>
-              <a:t>: Validate ISBN with service Google</a:t>
-            </a:r>
-            <a:r>
-              <a:rPr lang="en-US" sz="2400" dirty="0">
-                <a:latin typeface="Helvetica" panose="020B0604020202020204" pitchFamily="34" charset="0"/>
-                <a:cs typeface="Helvetica" panose="020B0604020202020204" pitchFamily="34" charset="0"/>
-              </a:rPr>
-              <a:t>, Report </a:t>
-            </a:r>
-            <a:r>
-              <a:rPr lang="en-US" sz="2400" dirty="0" smtClean="0">
-                <a:latin typeface="Helvetica" panose="020B0604020202020204" pitchFamily="34" charset="0"/>
-                <a:cs typeface="Helvetica" panose="020B0604020202020204" pitchFamily="34" charset="0"/>
-              </a:rPr>
-              <a:t>weekly/monthly/yearly, insert database</a:t>
-            </a:r>
-          </a:p>
-          <a:p>
-            <a:pPr marL="285750" indent="-285750">
-              <a:buFont typeface="Courier New" panose="02070309020205020404" pitchFamily="49" charset="0"/>
-              <a:buChar char="o"/>
-            </a:pPr>
-            <a:r>
-              <a:rPr lang="en-US" sz="2400" dirty="0" err="1">
-                <a:solidFill>
-                  <a:srgbClr val="FF0000"/>
-                </a:solidFill>
-                <a:latin typeface="Helvetica" panose="020B0604020202020204" pitchFamily="34" charset="0"/>
-                <a:cs typeface="Helvetica" panose="020B0604020202020204" pitchFamily="34" charset="0"/>
-              </a:rPr>
-              <a:t>DungThuy</a:t>
-            </a:r>
-            <a:r>
-              <a:rPr lang="en-US" sz="2400" dirty="0" smtClean="0">
-                <a:latin typeface="Helvetica" panose="020B0604020202020204" pitchFamily="34" charset="0"/>
-                <a:cs typeface="Helvetica" panose="020B0604020202020204" pitchFamily="34" charset="0"/>
-              </a:rPr>
-              <a:t>: Save Ticket in admin page, Unit Test case, </a:t>
-            </a:r>
-            <a:r>
-              <a:rPr lang="en-US" sz="2400" dirty="0" err="1" smtClean="0">
-                <a:latin typeface="Helvetica" panose="020B0604020202020204" pitchFamily="34" charset="0"/>
-                <a:cs typeface="Helvetica" panose="020B0604020202020204" pitchFamily="34" charset="0"/>
-              </a:rPr>
-              <a:t>jquery</a:t>
-            </a:r>
-            <a:r>
-              <a:rPr lang="en-US" sz="2400" dirty="0" smtClean="0">
-                <a:latin typeface="Helvetica" panose="020B0604020202020204" pitchFamily="34" charset="0"/>
-                <a:cs typeface="Helvetica" panose="020B0604020202020204" pitchFamily="34" charset="0"/>
-              </a:rPr>
-              <a:t> validate</a:t>
-            </a:r>
-          </a:p>
-          <a:p>
-            <a:pPr marL="285750" indent="-285750">
-              <a:buFont typeface="Courier New" panose="02070309020205020404" pitchFamily="49" charset="0"/>
-              <a:buChar char="o"/>
-            </a:pPr>
-            <a:r>
-              <a:rPr lang="en-US" sz="2400" dirty="0" err="1" smtClean="0">
-                <a:solidFill>
-                  <a:srgbClr val="FF0000"/>
-                </a:solidFill>
-                <a:latin typeface="Helvetica" panose="020B0604020202020204" pitchFamily="34" charset="0"/>
-                <a:cs typeface="Helvetica" panose="020B0604020202020204" pitchFamily="34" charset="0"/>
-              </a:rPr>
-              <a:t>HuuMa</a:t>
-            </a:r>
-            <a:r>
-              <a:rPr lang="en-US" sz="2400" dirty="0" smtClean="0">
-                <a:latin typeface="Helvetica" panose="020B0604020202020204" pitchFamily="34" charset="0"/>
-                <a:cs typeface="Helvetica" panose="020B0604020202020204" pitchFamily="34" charset="0"/>
-              </a:rPr>
-              <a:t>: Html + CSS + Bootstrap </a:t>
-            </a:r>
-          </a:p>
-          <a:p>
-            <a:pPr marL="285750" indent="-285750">
-              <a:buFont typeface="Courier New" panose="02070309020205020404" pitchFamily="49" charset="0"/>
-              <a:buChar char="o"/>
-            </a:pPr>
-            <a:r>
-              <a:rPr lang="en-US" sz="2400" dirty="0" err="1" smtClean="0">
-                <a:solidFill>
-                  <a:srgbClr val="FF0000"/>
-                </a:solidFill>
-                <a:latin typeface="Helvetica" panose="020B0604020202020204" pitchFamily="34" charset="0"/>
-                <a:cs typeface="Helvetica" panose="020B0604020202020204" pitchFamily="34" charset="0"/>
-              </a:rPr>
-              <a:t>AnDang</a:t>
-            </a:r>
-            <a:r>
-              <a:rPr lang="en-US" sz="2400" dirty="0" smtClean="0">
-                <a:latin typeface="Helvetica" panose="020B0604020202020204" pitchFamily="34" charset="0"/>
-                <a:cs typeface="Helvetica" panose="020B0604020202020204" pitchFamily="34" charset="0"/>
-              </a:rPr>
-              <a:t>: </a:t>
-            </a:r>
-            <a:r>
-              <a:rPr lang="en-US" sz="2400" dirty="0">
-                <a:latin typeface="Helvetica" panose="020B0604020202020204" pitchFamily="34" charset="0"/>
-                <a:cs typeface="Helvetica" panose="020B0604020202020204" pitchFamily="34" charset="0"/>
-              </a:rPr>
-              <a:t>Html + CSS + Bootstrap </a:t>
-            </a:r>
           </a:p>
         </p:txBody>
       </p:sp>
@@ -9242,7 +9337,7 @@
   <a:extraClrSchemeLst/>
   <a:extLst>
     <a:ext uri="{05A4C25C-085E-4340-85A3-A5531E510DB2}">
-      <thm15:themeFamily xmlns="" xmlns:thm15="http://schemas.microsoft.com/office/thememl/2012/main" name="Office Theme" id="{62F939B6-93AF-4DB8-9C6B-D6C7DFDC589F}" vid="{4A3C46E8-61CC-4603-A589-7422A47A8E4A}"/>
+      <thm15:themeFamily xmlns:thm15="http://schemas.microsoft.com/office/thememl/2012/main" xmlns="" name="Office Theme" id="{62F939B6-93AF-4DB8-9C6B-D6C7DFDC589F}" vid="{4A3C46E8-61CC-4603-A589-7422A47A8E4A}"/>
     </a:ext>
   </a:extLst>
 </a:theme>
@@ -9503,7 +9598,7 @@
   <a:extraClrSchemeLst/>
   <a:extLst>
     <a:ext uri="{05A4C25C-085E-4340-85A3-A5531E510DB2}">
-      <thm15:themeFamily xmlns="" xmlns:thm15="http://schemas.microsoft.com/office/thememl/2012/main" name="Office Theme" id="{62F939B6-93AF-4DB8-9C6B-D6C7DFDC589F}" vid="{4A3C46E8-61CC-4603-A589-7422A47A8E4A}"/>
+      <thm15:themeFamily xmlns:thm15="http://schemas.microsoft.com/office/thememl/2012/main" xmlns="" name="Office Theme" id="{62F939B6-93AF-4DB8-9C6B-D6C7DFDC589F}" vid="{4A3C46E8-61CC-4603-A589-7422A47A8E4A}"/>
     </a:ext>
   </a:extLst>
 </a:theme>

--- a/slide/DistributedComputation.pptx
+++ b/slide/DistributedComputation.pptx
@@ -118,7 +118,7 @@
   </p:defaultTextStyle>
   <p:extLst>
     <p:ext uri="{EFAFB233-063F-42B5-8137-9DF3F51BA10A}">
-      <p15:sldGuideLst xmlns:p15="http://schemas.microsoft.com/office/powerpoint/2012/main" xmlns=""/>
+      <p15:sldGuideLst xmlns="" xmlns:p15="http://schemas.microsoft.com/office/powerpoint/2012/main"/>
     </p:ext>
   </p:extLst>
 </p:presentation>
@@ -4875,27 +4875,7 @@
                 <a:latin typeface="Helvetica" panose="020B0604020202020204" pitchFamily="34" charset="0"/>
                 <a:cs typeface="Helvetica" panose="020B0604020202020204" pitchFamily="34" charset="0"/>
               </a:rPr>
-              <a:t>Team: </a:t>
-            </a:r>
-            <a:r>
-              <a:rPr lang="en-US" sz="2400" i="1" dirty="0" smtClean="0">
-                <a:solidFill>
-                  <a:srgbClr val="00B0F0"/>
-                </a:solidFill>
-                <a:latin typeface="Helvetica" panose="020B0604020202020204" pitchFamily="34" charset="0"/>
-                <a:cs typeface="Helvetica" panose="020B0604020202020204" pitchFamily="34" charset="0"/>
-              </a:rPr>
-              <a:t>2 - Mentor</a:t>
-            </a:r>
-            <a:r>
-              <a:rPr lang="en-US" sz="2400" i="1" dirty="0" smtClean="0">
-                <a:solidFill>
-                  <a:srgbClr val="00B0F0"/>
-                </a:solidFill>
-                <a:latin typeface="Helvetica" panose="020B0604020202020204" pitchFamily="34" charset="0"/>
-                <a:cs typeface="Helvetica" panose="020B0604020202020204" pitchFamily="34" charset="0"/>
-              </a:rPr>
-              <a:t>: </a:t>
+              <a:t>Team: 2 - Mentor: </a:t>
             </a:r>
             <a:r>
               <a:rPr lang="en-US" sz="2400" i="1" dirty="0" err="1" smtClean="0">
@@ -5254,27 +5234,7 @@
                 <a:latin typeface="Helvetica" panose="020B0604020202020204" pitchFamily="34" charset="0"/>
                 <a:cs typeface="Helvetica" panose="020B0604020202020204" pitchFamily="34" charset="0"/>
               </a:rPr>
-              <a:t>Team: 2 </a:t>
-            </a:r>
-            <a:r>
-              <a:rPr lang="en-US" sz="2400" i="1" dirty="0" smtClean="0">
-                <a:solidFill>
-                  <a:srgbClr val="00B0F0"/>
-                </a:solidFill>
-                <a:latin typeface="Helvetica" panose="020B0604020202020204" pitchFamily="34" charset="0"/>
-                <a:cs typeface="Helvetica" panose="020B0604020202020204" pitchFamily="34" charset="0"/>
-              </a:rPr>
-              <a:t>- Mentor</a:t>
-            </a:r>
-            <a:r>
-              <a:rPr lang="en-US" sz="2400" i="1" dirty="0" smtClean="0">
-                <a:solidFill>
-                  <a:srgbClr val="00B0F0"/>
-                </a:solidFill>
-                <a:latin typeface="Helvetica" panose="020B0604020202020204" pitchFamily="34" charset="0"/>
-                <a:cs typeface="Helvetica" panose="020B0604020202020204" pitchFamily="34" charset="0"/>
-              </a:rPr>
-              <a:t>: </a:t>
+              <a:t>Team: 2 - Mentor: </a:t>
             </a:r>
             <a:r>
               <a:rPr lang="en-US" sz="2400" i="1" dirty="0" err="1" smtClean="0">
@@ -5642,27 +5602,7 @@
                 <a:latin typeface="Helvetica" panose="020B0604020202020204" pitchFamily="34" charset="0"/>
                 <a:cs typeface="Helvetica" panose="020B0604020202020204" pitchFamily="34" charset="0"/>
               </a:rPr>
-              <a:t>Team: 2 </a:t>
-            </a:r>
-            <a:r>
-              <a:rPr lang="en-US" sz="2400" i="1" dirty="0" smtClean="0">
-                <a:solidFill>
-                  <a:srgbClr val="00B0F0"/>
-                </a:solidFill>
-                <a:latin typeface="Helvetica" panose="020B0604020202020204" pitchFamily="34" charset="0"/>
-                <a:cs typeface="Helvetica" panose="020B0604020202020204" pitchFamily="34" charset="0"/>
-              </a:rPr>
-              <a:t>- Mentor</a:t>
-            </a:r>
-            <a:r>
-              <a:rPr lang="en-US" sz="2400" i="1" dirty="0" smtClean="0">
-                <a:solidFill>
-                  <a:srgbClr val="00B0F0"/>
-                </a:solidFill>
-                <a:latin typeface="Helvetica" panose="020B0604020202020204" pitchFamily="34" charset="0"/>
-                <a:cs typeface="Helvetica" panose="020B0604020202020204" pitchFamily="34" charset="0"/>
-              </a:rPr>
-              <a:t>: </a:t>
+              <a:t>Team: 2 - Mentor: </a:t>
             </a:r>
             <a:r>
               <a:rPr lang="en-US" sz="2400" i="1" dirty="0" err="1" smtClean="0">
@@ -5857,8 +5797,8 @@
         </p:nvSpPr>
         <p:spPr>
           <a:xfrm>
-            <a:off x="1301839" y="441361"/>
-            <a:ext cx="10820400" cy="646331"/>
+            <a:off x="3012830" y="441361"/>
+            <a:ext cx="5826370" cy="646331"/>
           </a:xfrm>
           <a:prstGeom prst="rect">
             <a:avLst/>
@@ -5873,15 +5813,22 @@
           <a:p>
             <a:pPr algn="ctr"/>
             <a:r>
-              <a:rPr lang="en-US" sz="3600" dirty="0">
+              <a:rPr lang="en-US" sz="3600" dirty="0" smtClean="0">
                 <a:solidFill>
                   <a:srgbClr val="FF0000"/>
                 </a:solidFill>
                 <a:latin typeface="Helvetica" panose="020B0604020202020204" pitchFamily="34" charset="0"/>
                 <a:cs typeface="Helvetica" panose="020B0604020202020204" pitchFamily="34" charset="0"/>
               </a:rPr>
-              <a:t>The technology used</a:t>
-            </a:r>
+              <a:t>Technical</a:t>
+            </a:r>
+            <a:endParaRPr lang="en-US" sz="3600" dirty="0">
+              <a:solidFill>
+                <a:srgbClr val="FF0000"/>
+              </a:solidFill>
+              <a:latin typeface="Helvetica" panose="020B0604020202020204" pitchFamily="34" charset="0"/>
+              <a:cs typeface="Helvetica" panose="020B0604020202020204" pitchFamily="34" charset="0"/>
+            </a:endParaRPr>
           </a:p>
         </p:txBody>
       </p:sp>
@@ -6116,27 +6063,7 @@
                 <a:latin typeface="Helvetica" panose="020B0604020202020204" pitchFamily="34" charset="0"/>
                 <a:cs typeface="Helvetica" panose="020B0604020202020204" pitchFamily="34" charset="0"/>
               </a:rPr>
-              <a:t>Team: 2 </a:t>
-            </a:r>
-            <a:r>
-              <a:rPr lang="en-US" sz="2400" i="1" dirty="0" smtClean="0">
-                <a:solidFill>
-                  <a:srgbClr val="00B0F0"/>
-                </a:solidFill>
-                <a:latin typeface="Helvetica" panose="020B0604020202020204" pitchFamily="34" charset="0"/>
-                <a:cs typeface="Helvetica" panose="020B0604020202020204" pitchFamily="34" charset="0"/>
-              </a:rPr>
-              <a:t>- Mentor</a:t>
-            </a:r>
-            <a:r>
-              <a:rPr lang="en-US" sz="2400" i="1" dirty="0" smtClean="0">
-                <a:solidFill>
-                  <a:srgbClr val="00B0F0"/>
-                </a:solidFill>
-                <a:latin typeface="Helvetica" panose="020B0604020202020204" pitchFamily="34" charset="0"/>
-                <a:cs typeface="Helvetica" panose="020B0604020202020204" pitchFamily="34" charset="0"/>
-              </a:rPr>
-              <a:t>: </a:t>
+              <a:t>Team: 2 - Mentor: </a:t>
             </a:r>
             <a:r>
               <a:rPr lang="en-US" sz="2400" i="1" dirty="0" err="1" smtClean="0">
@@ -6506,27 +6433,7 @@
                 <a:latin typeface="Helvetica" panose="020B0604020202020204" pitchFamily="34" charset="0"/>
                 <a:cs typeface="Helvetica" panose="020B0604020202020204" pitchFamily="34" charset="0"/>
               </a:rPr>
-              <a:t>Team: 2 </a:t>
-            </a:r>
-            <a:r>
-              <a:rPr lang="en-US" sz="2400" i="1" dirty="0" smtClean="0">
-                <a:solidFill>
-                  <a:srgbClr val="00B0F0"/>
-                </a:solidFill>
-                <a:latin typeface="Helvetica" panose="020B0604020202020204" pitchFamily="34" charset="0"/>
-                <a:cs typeface="Helvetica" panose="020B0604020202020204" pitchFamily="34" charset="0"/>
-              </a:rPr>
-              <a:t>- Mentor</a:t>
-            </a:r>
-            <a:r>
-              <a:rPr lang="en-US" sz="2400" i="1" dirty="0" smtClean="0">
-                <a:solidFill>
-                  <a:srgbClr val="00B0F0"/>
-                </a:solidFill>
-                <a:latin typeface="Helvetica" panose="020B0604020202020204" pitchFamily="34" charset="0"/>
-                <a:cs typeface="Helvetica" panose="020B0604020202020204" pitchFamily="34" charset="0"/>
-              </a:rPr>
-              <a:t>: </a:t>
+              <a:t>Team: 2 - Mentor: </a:t>
             </a:r>
             <a:r>
               <a:rPr lang="en-US" sz="2400" i="1" dirty="0" err="1" smtClean="0">
@@ -7017,27 +6924,7 @@
                 <a:latin typeface="Helvetica" panose="020B0604020202020204" pitchFamily="34" charset="0"/>
                 <a:cs typeface="Helvetica" panose="020B0604020202020204" pitchFamily="34" charset="0"/>
               </a:rPr>
-              <a:t>Team: 2 </a:t>
-            </a:r>
-            <a:r>
-              <a:rPr lang="en-US" sz="2400" i="1" dirty="0" smtClean="0">
-                <a:solidFill>
-                  <a:srgbClr val="00B0F0"/>
-                </a:solidFill>
-                <a:latin typeface="Helvetica" panose="020B0604020202020204" pitchFamily="34" charset="0"/>
-                <a:cs typeface="Helvetica" panose="020B0604020202020204" pitchFamily="34" charset="0"/>
-              </a:rPr>
-              <a:t>- Mentor</a:t>
-            </a:r>
-            <a:r>
-              <a:rPr lang="en-US" sz="2400" i="1" dirty="0" smtClean="0">
-                <a:solidFill>
-                  <a:srgbClr val="00B0F0"/>
-                </a:solidFill>
-                <a:latin typeface="Helvetica" panose="020B0604020202020204" pitchFamily="34" charset="0"/>
-                <a:cs typeface="Helvetica" panose="020B0604020202020204" pitchFamily="34" charset="0"/>
-              </a:rPr>
-              <a:t>: </a:t>
+              <a:t>Team: 2 - Mentor: </a:t>
             </a:r>
             <a:r>
               <a:rPr lang="en-US" sz="2400" i="1" dirty="0" err="1" smtClean="0">
@@ -7417,27 +7304,7 @@
                 <a:latin typeface="Helvetica" panose="020B0604020202020204" pitchFamily="34" charset="0"/>
                 <a:cs typeface="Helvetica" panose="020B0604020202020204" pitchFamily="34" charset="0"/>
               </a:rPr>
-              <a:t>Team: 2 </a:t>
-            </a:r>
-            <a:r>
-              <a:rPr lang="en-US" sz="2400" i="1" dirty="0" smtClean="0">
-                <a:solidFill>
-                  <a:srgbClr val="00B0F0"/>
-                </a:solidFill>
-                <a:latin typeface="Helvetica" panose="020B0604020202020204" pitchFamily="34" charset="0"/>
-                <a:cs typeface="Helvetica" panose="020B0604020202020204" pitchFamily="34" charset="0"/>
-              </a:rPr>
-              <a:t>- Mentor</a:t>
-            </a:r>
-            <a:r>
-              <a:rPr lang="en-US" sz="2400" i="1" dirty="0" smtClean="0">
-                <a:solidFill>
-                  <a:srgbClr val="00B0F0"/>
-                </a:solidFill>
-                <a:latin typeface="Helvetica" panose="020B0604020202020204" pitchFamily="34" charset="0"/>
-                <a:cs typeface="Helvetica" panose="020B0604020202020204" pitchFamily="34" charset="0"/>
-              </a:rPr>
-              <a:t>: </a:t>
+              <a:t>Team: 2 - Mentor: </a:t>
             </a:r>
             <a:r>
               <a:rPr lang="en-US" sz="2400" i="1" dirty="0" err="1" smtClean="0">
@@ -7820,27 +7687,7 @@
                 <a:latin typeface="Helvetica" panose="020B0604020202020204" pitchFamily="34" charset="0"/>
                 <a:cs typeface="Helvetica" panose="020B0604020202020204" pitchFamily="34" charset="0"/>
               </a:rPr>
-              <a:t>Team: 2 </a:t>
-            </a:r>
-            <a:r>
-              <a:rPr lang="en-US" sz="2400" i="1" dirty="0" smtClean="0">
-                <a:solidFill>
-                  <a:srgbClr val="00B0F0"/>
-                </a:solidFill>
-                <a:latin typeface="Helvetica" panose="020B0604020202020204" pitchFamily="34" charset="0"/>
-                <a:cs typeface="Helvetica" panose="020B0604020202020204" pitchFamily="34" charset="0"/>
-              </a:rPr>
-              <a:t>- Mentor</a:t>
-            </a:r>
-            <a:r>
-              <a:rPr lang="en-US" sz="2400" i="1" dirty="0" smtClean="0">
-                <a:solidFill>
-                  <a:srgbClr val="00B0F0"/>
-                </a:solidFill>
-                <a:latin typeface="Helvetica" panose="020B0604020202020204" pitchFamily="34" charset="0"/>
-                <a:cs typeface="Helvetica" panose="020B0604020202020204" pitchFamily="34" charset="0"/>
-              </a:rPr>
-              <a:t>: </a:t>
+              <a:t>Team: 2 - Mentor: </a:t>
             </a:r>
             <a:r>
               <a:rPr lang="en-US" sz="2400" i="1" dirty="0" err="1" smtClean="0">
@@ -8308,27 +8155,7 @@
                 <a:latin typeface="Helvetica" panose="020B0604020202020204" pitchFamily="34" charset="0"/>
                 <a:cs typeface="Helvetica" panose="020B0604020202020204" pitchFamily="34" charset="0"/>
               </a:rPr>
-              <a:t>Team: 2 </a:t>
-            </a:r>
-            <a:r>
-              <a:rPr lang="en-US" sz="2400" i="1" dirty="0" smtClean="0">
-                <a:solidFill>
-                  <a:srgbClr val="00B0F0"/>
-                </a:solidFill>
-                <a:latin typeface="Helvetica" panose="020B0604020202020204" pitchFamily="34" charset="0"/>
-                <a:cs typeface="Helvetica" panose="020B0604020202020204" pitchFamily="34" charset="0"/>
-              </a:rPr>
-              <a:t>- Mentor</a:t>
-            </a:r>
-            <a:r>
-              <a:rPr lang="en-US" sz="2400" i="1" dirty="0" smtClean="0">
-                <a:solidFill>
-                  <a:srgbClr val="00B0F0"/>
-                </a:solidFill>
-                <a:latin typeface="Helvetica" panose="020B0604020202020204" pitchFamily="34" charset="0"/>
-                <a:cs typeface="Helvetica" panose="020B0604020202020204" pitchFamily="34" charset="0"/>
-              </a:rPr>
-              <a:t>: </a:t>
+              <a:t>Team: 2 - Mentor: </a:t>
             </a:r>
             <a:r>
               <a:rPr lang="en-US" sz="2400" i="1" dirty="0" err="1" smtClean="0">
@@ -8980,27 +8807,7 @@
                 <a:latin typeface="Helvetica" panose="020B0604020202020204" pitchFamily="34" charset="0"/>
                 <a:cs typeface="Helvetica" panose="020B0604020202020204" pitchFamily="34" charset="0"/>
               </a:rPr>
-              <a:t>Team: 2 </a:t>
-            </a:r>
-            <a:r>
-              <a:rPr lang="en-US" sz="2400" i="1" dirty="0" smtClean="0">
-                <a:solidFill>
-                  <a:srgbClr val="00B0F0"/>
-                </a:solidFill>
-                <a:latin typeface="Helvetica" panose="020B0604020202020204" pitchFamily="34" charset="0"/>
-                <a:cs typeface="Helvetica" panose="020B0604020202020204" pitchFamily="34" charset="0"/>
-              </a:rPr>
-              <a:t>- Mentor</a:t>
-            </a:r>
-            <a:r>
-              <a:rPr lang="en-US" sz="2400" i="1" dirty="0" smtClean="0">
-                <a:solidFill>
-                  <a:srgbClr val="00B0F0"/>
-                </a:solidFill>
-                <a:latin typeface="Helvetica" panose="020B0604020202020204" pitchFamily="34" charset="0"/>
-                <a:cs typeface="Helvetica" panose="020B0604020202020204" pitchFamily="34" charset="0"/>
-              </a:rPr>
-              <a:t>: </a:t>
+              <a:t>Team: 2 - Mentor: </a:t>
             </a:r>
             <a:r>
               <a:rPr lang="en-US" sz="2400" i="1" dirty="0" err="1" smtClean="0">
@@ -9337,7 +9144,7 @@
   <a:extraClrSchemeLst/>
   <a:extLst>
     <a:ext uri="{05A4C25C-085E-4340-85A3-A5531E510DB2}">
-      <thm15:themeFamily xmlns:thm15="http://schemas.microsoft.com/office/thememl/2012/main" xmlns="" name="Office Theme" id="{62F939B6-93AF-4DB8-9C6B-D6C7DFDC589F}" vid="{4A3C46E8-61CC-4603-A589-7422A47A8E4A}"/>
+      <thm15:themeFamily xmlns="" xmlns:thm15="http://schemas.microsoft.com/office/thememl/2012/main" name="Office Theme" id="{62F939B6-93AF-4DB8-9C6B-D6C7DFDC589F}" vid="{4A3C46E8-61CC-4603-A589-7422A47A8E4A}"/>
     </a:ext>
   </a:extLst>
 </a:theme>
@@ -9598,7 +9405,7 @@
   <a:extraClrSchemeLst/>
   <a:extLst>
     <a:ext uri="{05A4C25C-085E-4340-85A3-A5531E510DB2}">
-      <thm15:themeFamily xmlns:thm15="http://schemas.microsoft.com/office/thememl/2012/main" xmlns="" name="Office Theme" id="{62F939B6-93AF-4DB8-9C6B-D6C7DFDC589F}" vid="{4A3C46E8-61CC-4603-A589-7422A47A8E4A}"/>
+      <thm15:themeFamily xmlns="" xmlns:thm15="http://schemas.microsoft.com/office/thememl/2012/main" name="Office Theme" id="{62F939B6-93AF-4DB8-9C6B-D6C7DFDC589F}" vid="{4A3C46E8-61CC-4603-A589-7422A47A8E4A}"/>
     </a:ext>
   </a:extLst>
 </a:theme>
